--- a/Projet2AInter.pptx
+++ b/Projet2AInter.pptx
@@ -111,7 +111,16 @@
       </a:defRPr>
     </a:lvl9pPr>
   </p:defaultTextStyle>
+  <p:extLst>
+    <p:ext uri="{EFAFB233-063F-42B5-8137-9DF3F51BA10A}">
+      <p15:sldGuideLst xmlns:p15="http://schemas.microsoft.com/office/powerpoint/2012/main"/>
+    </p:ext>
+  </p:extLst>
 </p:presentation>
+</file>
+
+<file path=ppt/revisionInfo.xml><?xml version="1.0" encoding="utf-8"?>
+<p1510:revInfo xmlns:a="http://schemas.openxmlformats.org/drawingml/2006/main" xmlns:r="http://schemas.openxmlformats.org/officeDocument/2006/relationships" xmlns:p1510="http://schemas.microsoft.com/office/powerpoint/2015/10/main"/>
 </file>
 
 <file path=ppt/slideLayouts/slideLayout1.xml><?xml version="1.0" encoding="utf-8"?>
@@ -357,7 +366,7 @@
             <a:fld id="{2EA4D641-4AF5-4652-AEAA-53095F5C2C81}" type="datetimeFigureOut">
               <a:rPr lang="fr-FR" smtClean="0"/>
               <a:pPr/>
-              <a:t>17/01/2018</a:t>
+              <a:t>18/01/2018</a:t>
             </a:fld>
             <a:endParaRPr lang="fr-FR" dirty="0"/>
           </a:p>
@@ -1108,7 +1117,7 @@
           <a:p>
             <a:fld id="{2EA4D641-4AF5-4652-AEAA-53095F5C2C81}" type="datetimeFigureOut">
               <a:rPr lang="fr-FR" smtClean="0"/>
-              <a:t>17/01/2018</a:t>
+              <a:t>18/01/2018</a:t>
             </a:fld>
             <a:endParaRPr lang="fr-FR"/>
           </a:p>
@@ -1306,7 +1315,7 @@
           <a:p>
             <a:fld id="{2EA4D641-4AF5-4652-AEAA-53095F5C2C81}" type="datetimeFigureOut">
               <a:rPr lang="fr-FR" smtClean="0"/>
-              <a:t>17/01/2018</a:t>
+              <a:t>18/01/2018</a:t>
             </a:fld>
             <a:endParaRPr lang="fr-FR"/>
           </a:p>
@@ -1514,7 +1523,7 @@
           <a:p>
             <a:fld id="{2EA4D641-4AF5-4652-AEAA-53095F5C2C81}" type="datetimeFigureOut">
               <a:rPr lang="fr-FR" smtClean="0"/>
-              <a:t>17/01/2018</a:t>
+              <a:t>18/01/2018</a:t>
             </a:fld>
             <a:endParaRPr lang="fr-FR"/>
           </a:p>
@@ -1681,7 +1690,7 @@
           <a:p>
             <a:fld id="{2EA4D641-4AF5-4652-AEAA-53095F5C2C81}" type="datetimeFigureOut">
               <a:rPr lang="fr-FR" smtClean="0"/>
-              <a:t>17/01/2018</a:t>
+              <a:t>18/01/2018</a:t>
             </a:fld>
             <a:endParaRPr lang="fr-FR"/>
           </a:p>
@@ -2260,7 +2269,7 @@
             <a:fld id="{2EA4D641-4AF5-4652-AEAA-53095F5C2C81}" type="datetimeFigureOut">
               <a:rPr lang="fr-FR" smtClean="0"/>
               <a:pPr/>
-              <a:t>17/01/2018</a:t>
+              <a:t>18/01/2018</a:t>
             </a:fld>
             <a:endParaRPr lang="fr-FR" dirty="0"/>
           </a:p>
@@ -2554,7 +2563,7 @@
           <a:p>
             <a:fld id="{2EA4D641-4AF5-4652-AEAA-53095F5C2C81}" type="datetimeFigureOut">
               <a:rPr lang="fr-FR" smtClean="0"/>
-              <a:t>17/01/2018</a:t>
+              <a:t>18/01/2018</a:t>
             </a:fld>
             <a:endParaRPr lang="fr-FR"/>
           </a:p>
@@ -2819,7 +2828,7 @@
           <a:p>
             <a:fld id="{2EA4D641-4AF5-4652-AEAA-53095F5C2C81}" type="datetimeFigureOut">
               <a:rPr lang="fr-FR" smtClean="0"/>
-              <a:t>17/01/2018</a:t>
+              <a:t>18/01/2018</a:t>
             </a:fld>
             <a:endParaRPr lang="fr-FR"/>
           </a:p>
@@ -3231,7 +3240,7 @@
           <a:p>
             <a:fld id="{2EA4D641-4AF5-4652-AEAA-53095F5C2C81}" type="datetimeFigureOut">
               <a:rPr lang="fr-FR" smtClean="0"/>
-              <a:t>17/01/2018</a:t>
+              <a:t>18/01/2018</a:t>
             </a:fld>
             <a:endParaRPr lang="fr-FR"/>
           </a:p>
@@ -3372,7 +3381,7 @@
           <a:p>
             <a:fld id="{2EA4D641-4AF5-4652-AEAA-53095F5C2C81}" type="datetimeFigureOut">
               <a:rPr lang="fr-FR" smtClean="0"/>
-              <a:t>17/01/2018</a:t>
+              <a:t>18/01/2018</a:t>
             </a:fld>
             <a:endParaRPr lang="fr-FR"/>
           </a:p>
@@ -3485,7 +3494,7 @@
           <a:p>
             <a:fld id="{2EA4D641-4AF5-4652-AEAA-53095F5C2C81}" type="datetimeFigureOut">
               <a:rPr lang="fr-FR" smtClean="0"/>
-              <a:t>17/01/2018</a:t>
+              <a:t>18/01/2018</a:t>
             </a:fld>
             <a:endParaRPr lang="fr-FR"/>
           </a:p>
@@ -3796,7 +3805,7 @@
           <a:p>
             <a:fld id="{2EA4D641-4AF5-4652-AEAA-53095F5C2C81}" type="datetimeFigureOut">
               <a:rPr lang="fr-FR" smtClean="0"/>
-              <a:t>17/01/2018</a:t>
+              <a:t>18/01/2018</a:t>
             </a:fld>
             <a:endParaRPr lang="fr-FR"/>
           </a:p>
@@ -4037,7 +4046,7 @@
           <a:p>
             <a:fld id="{2EA4D641-4AF5-4652-AEAA-53095F5C2C81}" type="datetimeFigureOut">
               <a:rPr lang="fr-FR" smtClean="0"/>
-              <a:t>17/01/2018</a:t>
+              <a:t>18/01/2018</a:t>
             </a:fld>
             <a:endParaRPr lang="fr-FR"/>
           </a:p>
@@ -4590,7 +4599,37 @@
           <a:bodyPr/>
           <a:lstStyle/>
           <a:p>
+            <a:r>
+              <a:rPr lang="fr-FR" dirty="0"/>
+              <a:t>Le projet GWAP</a:t>
+            </a:r>
+          </a:p>
+          <a:p>
             <a:endParaRPr lang="fr-FR" dirty="0"/>
+          </a:p>
+          <a:p>
+            <a:r>
+              <a:rPr lang="fr-FR" dirty="0"/>
+              <a:t>Les objectifs</a:t>
+            </a:r>
+          </a:p>
+          <a:p>
+            <a:endParaRPr lang="fr-FR" dirty="0"/>
+          </a:p>
+          <a:p>
+            <a:r>
+              <a:rPr lang="fr-FR" dirty="0"/>
+              <a:t>Démonstration</a:t>
+            </a:r>
+          </a:p>
+          <a:p>
+            <a:endParaRPr lang="fr-FR" dirty="0"/>
+          </a:p>
+          <a:p>
+            <a:r>
+              <a:rPr lang="fr-FR" dirty="0"/>
+              <a:t>L’organisation</a:t>
+            </a:r>
           </a:p>
         </p:txBody>
       </p:sp>
@@ -4790,6 +4829,389 @@
           <a:chExt cx="0" cy="0"/>
         </a:xfrm>
       </p:grpSpPr>
+      <p:grpSp>
+        <p:nvGrpSpPr>
+          <p:cNvPr id="22" name="Groupe 21">
+            <a:extLst>
+              <a:ext uri="{FF2B5EF4-FFF2-40B4-BE49-F238E27FC236}">
+                <a16:creationId xmlns:a16="http://schemas.microsoft.com/office/drawing/2014/main" id="{02839CDF-B40C-4917-A5D2-03B772735CF5}"/>
+              </a:ext>
+            </a:extLst>
+          </p:cNvPr>
+          <p:cNvGrpSpPr/>
+          <p:nvPr/>
+        </p:nvGrpSpPr>
+        <p:grpSpPr>
+          <a:xfrm>
+            <a:off x="8644530" y="2105819"/>
+            <a:ext cx="2057400" cy="3733800"/>
+            <a:chOff x="1413273" y="2105819"/>
+            <a:chExt cx="2057400" cy="3733800"/>
+          </a:xfrm>
+        </p:grpSpPr>
+        <p:sp>
+          <p:nvSpPr>
+            <p:cNvPr id="23" name="Rectangle 22">
+              <a:extLst>
+                <a:ext uri="{FF2B5EF4-FFF2-40B4-BE49-F238E27FC236}">
+                  <a16:creationId xmlns:a16="http://schemas.microsoft.com/office/drawing/2014/main" id="{E0E6B665-98B3-443D-9C7D-33A4FCCAC785}"/>
+                </a:ext>
+              </a:extLst>
+            </p:cNvPr>
+            <p:cNvSpPr/>
+            <p:nvPr/>
+          </p:nvSpPr>
+          <p:spPr>
+            <a:xfrm>
+              <a:off x="1413273" y="2105819"/>
+              <a:ext cx="2057400" cy="3733800"/>
+            </a:xfrm>
+            <a:prstGeom prst="rect">
+              <a:avLst/>
+            </a:prstGeom>
+            <a:solidFill>
+              <a:srgbClr val="EA6153"/>
+            </a:solidFill>
+            <a:ln>
+              <a:solidFill>
+                <a:srgbClr val="EA6153"/>
+              </a:solidFill>
+            </a:ln>
+          </p:spPr>
+          <p:style>
+            <a:lnRef idx="2">
+              <a:schemeClr val="accent1">
+                <a:shade val="50000"/>
+              </a:schemeClr>
+            </a:lnRef>
+            <a:fillRef idx="1">
+              <a:schemeClr val="accent1"/>
+            </a:fillRef>
+            <a:effectRef idx="0">
+              <a:schemeClr val="accent1"/>
+            </a:effectRef>
+            <a:fontRef idx="minor">
+              <a:schemeClr val="lt1"/>
+            </a:fontRef>
+          </p:style>
+          <p:txBody>
+            <a:bodyPr rtlCol="0" anchor="ctr"/>
+            <a:lstStyle/>
+            <a:p>
+              <a:pPr algn="ctr"/>
+              <a:endParaRPr lang="fr-FR" dirty="0"/>
+            </a:p>
+          </p:txBody>
+        </p:sp>
+        <p:sp>
+          <p:nvSpPr>
+            <p:cNvPr id="24" name="Ellipse 23">
+              <a:extLst>
+                <a:ext uri="{FF2B5EF4-FFF2-40B4-BE49-F238E27FC236}">
+                  <a16:creationId xmlns:a16="http://schemas.microsoft.com/office/drawing/2014/main" id="{7393C6B8-606C-4BE7-ADFB-2127CCC7D3A6}"/>
+                </a:ext>
+              </a:extLst>
+            </p:cNvPr>
+            <p:cNvSpPr/>
+            <p:nvPr/>
+          </p:nvSpPr>
+          <p:spPr>
+            <a:xfrm>
+              <a:off x="1703189" y="2361008"/>
+              <a:ext cx="1487091" cy="1487091"/>
+            </a:xfrm>
+            <a:prstGeom prst="ellipse">
+              <a:avLst/>
+            </a:prstGeom>
+            <a:solidFill>
+              <a:schemeClr val="bg1"/>
+            </a:solidFill>
+            <a:ln>
+              <a:noFill/>
+            </a:ln>
+          </p:spPr>
+          <p:style>
+            <a:lnRef idx="2">
+              <a:schemeClr val="accent1">
+                <a:shade val="50000"/>
+              </a:schemeClr>
+            </a:lnRef>
+            <a:fillRef idx="1">
+              <a:schemeClr val="accent1"/>
+            </a:fillRef>
+            <a:effectRef idx="0">
+              <a:schemeClr val="accent1"/>
+            </a:effectRef>
+            <a:fontRef idx="minor">
+              <a:schemeClr val="lt1"/>
+            </a:fontRef>
+          </p:style>
+          <p:txBody>
+            <a:bodyPr rtlCol="0" anchor="ctr"/>
+            <a:lstStyle/>
+            <a:p>
+              <a:pPr algn="ctr"/>
+              <a:endParaRPr lang="fr-FR"/>
+            </a:p>
+          </p:txBody>
+        </p:sp>
+      </p:grpSp>
+      <p:grpSp>
+        <p:nvGrpSpPr>
+          <p:cNvPr id="19" name="Groupe 18">
+            <a:extLst>
+              <a:ext uri="{FF2B5EF4-FFF2-40B4-BE49-F238E27FC236}">
+                <a16:creationId xmlns:a16="http://schemas.microsoft.com/office/drawing/2014/main" id="{5C46867F-3EE7-4CAA-A43E-3BC316706B87}"/>
+              </a:ext>
+            </a:extLst>
+          </p:cNvPr>
+          <p:cNvGrpSpPr/>
+          <p:nvPr/>
+        </p:nvGrpSpPr>
+        <p:grpSpPr>
+          <a:xfrm>
+            <a:off x="6231729" y="2105819"/>
+            <a:ext cx="2057400" cy="3733800"/>
+            <a:chOff x="1413273" y="2105819"/>
+            <a:chExt cx="2057400" cy="3733800"/>
+          </a:xfrm>
+        </p:grpSpPr>
+        <p:sp>
+          <p:nvSpPr>
+            <p:cNvPr id="20" name="Rectangle 19">
+              <a:extLst>
+                <a:ext uri="{FF2B5EF4-FFF2-40B4-BE49-F238E27FC236}">
+                  <a16:creationId xmlns:a16="http://schemas.microsoft.com/office/drawing/2014/main" id="{AB074E3B-870B-490B-8233-56A5B7525BCD}"/>
+                </a:ext>
+              </a:extLst>
+            </p:cNvPr>
+            <p:cNvSpPr/>
+            <p:nvPr/>
+          </p:nvSpPr>
+          <p:spPr>
+            <a:xfrm>
+              <a:off x="1413273" y="2105819"/>
+              <a:ext cx="2057400" cy="3733800"/>
+            </a:xfrm>
+            <a:prstGeom prst="rect">
+              <a:avLst/>
+            </a:prstGeom>
+            <a:solidFill>
+              <a:srgbClr val="E74C3C"/>
+            </a:solidFill>
+            <a:ln>
+              <a:solidFill>
+                <a:srgbClr val="E74C3C"/>
+              </a:solidFill>
+            </a:ln>
+          </p:spPr>
+          <p:style>
+            <a:lnRef idx="2">
+              <a:schemeClr val="accent1">
+                <a:shade val="50000"/>
+              </a:schemeClr>
+            </a:lnRef>
+            <a:fillRef idx="1">
+              <a:schemeClr val="accent1"/>
+            </a:fillRef>
+            <a:effectRef idx="0">
+              <a:schemeClr val="accent1"/>
+            </a:effectRef>
+            <a:fontRef idx="minor">
+              <a:schemeClr val="lt1"/>
+            </a:fontRef>
+          </p:style>
+          <p:txBody>
+            <a:bodyPr rtlCol="0" anchor="ctr"/>
+            <a:lstStyle/>
+            <a:p>
+              <a:pPr algn="ctr"/>
+              <a:endParaRPr lang="fr-FR"/>
+            </a:p>
+          </p:txBody>
+        </p:sp>
+        <p:sp>
+          <p:nvSpPr>
+            <p:cNvPr id="21" name="Ellipse 20">
+              <a:extLst>
+                <a:ext uri="{FF2B5EF4-FFF2-40B4-BE49-F238E27FC236}">
+                  <a16:creationId xmlns:a16="http://schemas.microsoft.com/office/drawing/2014/main" id="{1B4B4C27-8439-422E-A107-7E9E32B419B8}"/>
+                </a:ext>
+              </a:extLst>
+            </p:cNvPr>
+            <p:cNvSpPr/>
+            <p:nvPr/>
+          </p:nvSpPr>
+          <p:spPr>
+            <a:xfrm>
+              <a:off x="1703189" y="2361008"/>
+              <a:ext cx="1487091" cy="1487091"/>
+            </a:xfrm>
+            <a:prstGeom prst="ellipse">
+              <a:avLst/>
+            </a:prstGeom>
+            <a:solidFill>
+              <a:schemeClr val="bg1"/>
+            </a:solidFill>
+            <a:ln>
+              <a:noFill/>
+            </a:ln>
+          </p:spPr>
+          <p:style>
+            <a:lnRef idx="2">
+              <a:schemeClr val="accent1">
+                <a:shade val="50000"/>
+              </a:schemeClr>
+            </a:lnRef>
+            <a:fillRef idx="1">
+              <a:schemeClr val="accent1"/>
+            </a:fillRef>
+            <a:effectRef idx="0">
+              <a:schemeClr val="accent1"/>
+            </a:effectRef>
+            <a:fontRef idx="minor">
+              <a:schemeClr val="lt1"/>
+            </a:fontRef>
+          </p:style>
+          <p:txBody>
+            <a:bodyPr rtlCol="0" anchor="ctr"/>
+            <a:lstStyle/>
+            <a:p>
+              <a:pPr algn="ctr"/>
+              <a:endParaRPr lang="fr-FR"/>
+            </a:p>
+          </p:txBody>
+        </p:sp>
+      </p:grpSp>
+      <p:grpSp>
+        <p:nvGrpSpPr>
+          <p:cNvPr id="16" name="Groupe 15">
+            <a:extLst>
+              <a:ext uri="{FF2B5EF4-FFF2-40B4-BE49-F238E27FC236}">
+                <a16:creationId xmlns:a16="http://schemas.microsoft.com/office/drawing/2014/main" id="{224B545E-E05C-4FC8-9F15-733B9A106654}"/>
+              </a:ext>
+            </a:extLst>
+          </p:cNvPr>
+          <p:cNvGrpSpPr/>
+          <p:nvPr/>
+        </p:nvGrpSpPr>
+        <p:grpSpPr>
+          <a:xfrm>
+            <a:off x="3822501" y="2105819"/>
+            <a:ext cx="2057400" cy="3733800"/>
+            <a:chOff x="1413273" y="2105819"/>
+            <a:chExt cx="2057400" cy="3733800"/>
+          </a:xfrm>
+        </p:grpSpPr>
+        <p:sp>
+          <p:nvSpPr>
+            <p:cNvPr id="17" name="Rectangle 16">
+              <a:extLst>
+                <a:ext uri="{FF2B5EF4-FFF2-40B4-BE49-F238E27FC236}">
+                  <a16:creationId xmlns:a16="http://schemas.microsoft.com/office/drawing/2014/main" id="{5E42E10C-A118-4C85-BA5A-84AAE842FEA9}"/>
+                </a:ext>
+              </a:extLst>
+            </p:cNvPr>
+            <p:cNvSpPr/>
+            <p:nvPr/>
+          </p:nvSpPr>
+          <p:spPr>
+            <a:xfrm>
+              <a:off x="1413273" y="2105819"/>
+              <a:ext cx="2057400" cy="3733800"/>
+            </a:xfrm>
+            <a:prstGeom prst="rect">
+              <a:avLst/>
+            </a:prstGeom>
+            <a:solidFill>
+              <a:srgbClr val="EA6153"/>
+            </a:solidFill>
+            <a:ln>
+              <a:solidFill>
+                <a:srgbClr val="EA6153"/>
+              </a:solidFill>
+            </a:ln>
+          </p:spPr>
+          <p:style>
+            <a:lnRef idx="2">
+              <a:schemeClr val="accent1">
+                <a:shade val="50000"/>
+              </a:schemeClr>
+            </a:lnRef>
+            <a:fillRef idx="1">
+              <a:schemeClr val="accent1"/>
+            </a:fillRef>
+            <a:effectRef idx="0">
+              <a:schemeClr val="accent1"/>
+            </a:effectRef>
+            <a:fontRef idx="minor">
+              <a:schemeClr val="lt1"/>
+            </a:fontRef>
+          </p:style>
+          <p:txBody>
+            <a:bodyPr rtlCol="0" anchor="ctr"/>
+            <a:lstStyle/>
+            <a:p>
+              <a:pPr algn="ctr"/>
+              <a:endParaRPr lang="fr-FR"/>
+            </a:p>
+          </p:txBody>
+        </p:sp>
+        <p:sp>
+          <p:nvSpPr>
+            <p:cNvPr id="18" name="Ellipse 17">
+              <a:extLst>
+                <a:ext uri="{FF2B5EF4-FFF2-40B4-BE49-F238E27FC236}">
+                  <a16:creationId xmlns:a16="http://schemas.microsoft.com/office/drawing/2014/main" id="{C9E1B043-308C-4CD7-B641-C999A5603D4B}"/>
+                </a:ext>
+              </a:extLst>
+            </p:cNvPr>
+            <p:cNvSpPr/>
+            <p:nvPr/>
+          </p:nvSpPr>
+          <p:spPr>
+            <a:xfrm>
+              <a:off x="1703189" y="2361008"/>
+              <a:ext cx="1487091" cy="1487091"/>
+            </a:xfrm>
+            <a:prstGeom prst="ellipse">
+              <a:avLst/>
+            </a:prstGeom>
+            <a:solidFill>
+              <a:schemeClr val="bg1"/>
+            </a:solidFill>
+            <a:ln>
+              <a:solidFill>
+                <a:srgbClr val="EA6153"/>
+              </a:solidFill>
+            </a:ln>
+          </p:spPr>
+          <p:style>
+            <a:lnRef idx="2">
+              <a:schemeClr val="accent1">
+                <a:shade val="50000"/>
+              </a:schemeClr>
+            </a:lnRef>
+            <a:fillRef idx="1">
+              <a:schemeClr val="accent1"/>
+            </a:fillRef>
+            <a:effectRef idx="0">
+              <a:schemeClr val="accent1"/>
+            </a:effectRef>
+            <a:fontRef idx="minor">
+              <a:schemeClr val="lt1"/>
+            </a:fontRef>
+          </p:style>
+          <p:txBody>
+            <a:bodyPr rtlCol="0" anchor="ctr"/>
+            <a:lstStyle/>
+            <a:p>
+              <a:pPr algn="ctr"/>
+              <a:endParaRPr lang="fr-FR"/>
+            </a:p>
+          </p:txBody>
+        </p:sp>
+      </p:grpSp>
       <p:sp>
         <p:nvSpPr>
           <p:cNvPr id="2" name="Titre 1">
@@ -4818,6 +5240,133 @@
           </a:p>
         </p:txBody>
       </p:sp>
+      <p:grpSp>
+        <p:nvGrpSpPr>
+          <p:cNvPr id="12" name="Groupe 11">
+            <a:extLst>
+              <a:ext uri="{FF2B5EF4-FFF2-40B4-BE49-F238E27FC236}">
+                <a16:creationId xmlns:a16="http://schemas.microsoft.com/office/drawing/2014/main" id="{25334D88-B202-4DFB-9B78-46FDC430F687}"/>
+              </a:ext>
+            </a:extLst>
+          </p:cNvPr>
+          <p:cNvGrpSpPr/>
+          <p:nvPr/>
+        </p:nvGrpSpPr>
+        <p:grpSpPr>
+          <a:xfrm>
+            <a:off x="1413273" y="2105819"/>
+            <a:ext cx="2057400" cy="3733800"/>
+            <a:chOff x="1413273" y="2105819"/>
+            <a:chExt cx="2057400" cy="3733800"/>
+          </a:xfrm>
+        </p:grpSpPr>
+        <p:sp>
+          <p:nvSpPr>
+            <p:cNvPr id="6" name="Rectangle 5">
+              <a:extLst>
+                <a:ext uri="{FF2B5EF4-FFF2-40B4-BE49-F238E27FC236}">
+                  <a16:creationId xmlns:a16="http://schemas.microsoft.com/office/drawing/2014/main" id="{5F0D0B4D-4271-4499-A9E4-B33357E226F2}"/>
+                </a:ext>
+              </a:extLst>
+            </p:cNvPr>
+            <p:cNvSpPr/>
+            <p:nvPr/>
+          </p:nvSpPr>
+          <p:spPr>
+            <a:xfrm>
+              <a:off x="1413273" y="2105819"/>
+              <a:ext cx="2057400" cy="3733800"/>
+            </a:xfrm>
+            <a:prstGeom prst="rect">
+              <a:avLst/>
+            </a:prstGeom>
+            <a:solidFill>
+              <a:srgbClr val="E74C3C"/>
+            </a:solidFill>
+            <a:ln>
+              <a:solidFill>
+                <a:srgbClr val="E74C3C"/>
+              </a:solidFill>
+            </a:ln>
+          </p:spPr>
+          <p:style>
+            <a:lnRef idx="2">
+              <a:schemeClr val="accent1">
+                <a:shade val="50000"/>
+              </a:schemeClr>
+            </a:lnRef>
+            <a:fillRef idx="1">
+              <a:schemeClr val="accent1"/>
+            </a:fillRef>
+            <a:effectRef idx="0">
+              <a:schemeClr val="accent1"/>
+            </a:effectRef>
+            <a:fontRef idx="minor">
+              <a:schemeClr val="lt1"/>
+            </a:fontRef>
+          </p:style>
+          <p:txBody>
+            <a:bodyPr rtlCol="0" anchor="ctr"/>
+            <a:lstStyle/>
+            <a:p>
+              <a:pPr algn="ctr"/>
+              <a:endParaRPr lang="fr-FR"/>
+            </a:p>
+          </p:txBody>
+        </p:sp>
+        <p:sp>
+          <p:nvSpPr>
+            <p:cNvPr id="8" name="Ellipse 7">
+              <a:extLst>
+                <a:ext uri="{FF2B5EF4-FFF2-40B4-BE49-F238E27FC236}">
+                  <a16:creationId xmlns:a16="http://schemas.microsoft.com/office/drawing/2014/main" id="{B7AFCF6F-2CBE-4888-A2A0-F460AAEDEECB}"/>
+                </a:ext>
+              </a:extLst>
+            </p:cNvPr>
+            <p:cNvSpPr/>
+            <p:nvPr/>
+          </p:nvSpPr>
+          <p:spPr>
+            <a:xfrm>
+              <a:off x="1703189" y="2361008"/>
+              <a:ext cx="1487091" cy="1487091"/>
+            </a:xfrm>
+            <a:prstGeom prst="ellipse">
+              <a:avLst/>
+            </a:prstGeom>
+            <a:solidFill>
+              <a:schemeClr val="bg1"/>
+            </a:solidFill>
+            <a:ln>
+              <a:noFill/>
+            </a:ln>
+          </p:spPr>
+          <p:style>
+            <a:lnRef idx="2">
+              <a:schemeClr val="accent1">
+                <a:shade val="50000"/>
+              </a:schemeClr>
+            </a:lnRef>
+            <a:fillRef idx="1">
+              <a:schemeClr val="accent1"/>
+            </a:fillRef>
+            <a:effectRef idx="0">
+              <a:schemeClr val="accent1"/>
+            </a:effectRef>
+            <a:fontRef idx="minor">
+              <a:schemeClr val="lt1"/>
+            </a:fontRef>
+          </p:style>
+          <p:txBody>
+            <a:bodyPr rtlCol="0" anchor="ctr"/>
+            <a:lstStyle/>
+            <a:p>
+              <a:pPr algn="ctr"/>
+              <a:endParaRPr lang="fr-FR"/>
+            </a:p>
+          </p:txBody>
+        </p:sp>
+      </p:grpSp>
       <p:sp>
         <p:nvSpPr>
           <p:cNvPr id="3" name="Espace réservé du contenu 2">
@@ -4834,15 +5383,838 @@
             <p:ph idx="1"/>
           </p:nvPr>
         </p:nvSpPr>
-        <p:spPr/>
+        <p:spPr>
+          <a:xfrm>
+            <a:off x="6162078" y="4092572"/>
+            <a:ext cx="2057400" cy="1487091"/>
+          </a:xfrm>
+        </p:spPr>
         <p:txBody>
           <a:bodyPr/>
           <a:lstStyle/>
           <a:p>
-            <a:endParaRPr lang="fr-FR"/>
-          </a:p>
-        </p:txBody>
-      </p:sp>
+            <a:pPr marL="0" indent="0" algn="ctr">
+              <a:buNone/>
+            </a:pPr>
+            <a:r>
+              <a:rPr lang="fr-FR" dirty="0"/>
+              <a:t>Validité</a:t>
+            </a:r>
+          </a:p>
+          <a:p>
+            <a:pPr marL="0" indent="0" algn="ctr">
+              <a:buNone/>
+            </a:pPr>
+            <a:r>
+              <a:rPr lang="fr-FR" sz="1600" dirty="0">
+                <a:latin typeface="Montserrat Light" panose="00000400000000000000" pitchFamily="2" charset="0"/>
+              </a:rPr>
+              <a:t>… en garantissant la validé des annotations…</a:t>
+            </a:r>
+          </a:p>
+        </p:txBody>
+      </p:sp>
+      <p:sp>
+        <p:nvSpPr>
+          <p:cNvPr id="13" name="Espace réservé du contenu 2">
+            <a:extLst>
+              <a:ext uri="{FF2B5EF4-FFF2-40B4-BE49-F238E27FC236}">
+                <a16:creationId xmlns:a16="http://schemas.microsoft.com/office/drawing/2014/main" id="{FB3258BC-28D9-4529-8F61-69744DF2C9F9}"/>
+              </a:ext>
+            </a:extLst>
+          </p:cNvPr>
+          <p:cNvSpPr txBox="1">
+            <a:spLocks/>
+          </p:cNvSpPr>
+          <p:nvPr/>
+        </p:nvSpPr>
+        <p:spPr>
+          <a:xfrm>
+            <a:off x="8640957" y="4100313"/>
+            <a:ext cx="2057400" cy="1487091"/>
+          </a:xfrm>
+          <a:prstGeom prst="rect">
+            <a:avLst/>
+          </a:prstGeom>
+        </p:spPr>
+        <p:txBody>
+          <a:bodyPr vert="horz" lIns="91440" tIns="45720" rIns="91440" bIns="45720" rtlCol="0">
+            <a:normAutofit/>
+          </a:bodyPr>
+          <a:lstStyle>
+            <a:lvl1pPr marL="228600" indent="-228600" algn="l" defTabSz="914400" rtl="0" eaLnBrk="1" latinLnBrk="0" hangingPunct="1">
+              <a:lnSpc>
+                <a:spcPct val="90000"/>
+              </a:lnSpc>
+              <a:spcBef>
+                <a:spcPts val="1000"/>
+              </a:spcBef>
+              <a:buFont typeface="Arial" panose="020B0604020202020204" pitchFamily="34" charset="0"/>
+              <a:buChar char="•"/>
+              <a:defRPr sz="2800" kern="1200">
+                <a:solidFill>
+                  <a:srgbClr val="551913"/>
+                </a:solidFill>
+                <a:latin typeface="Montserrat ExtraLight" panose="00000300000000000000" pitchFamily="2" charset="0"/>
+                <a:ea typeface="+mn-ea"/>
+                <a:cs typeface="+mn-cs"/>
+              </a:defRPr>
+            </a:lvl1pPr>
+            <a:lvl2pPr marL="685800" indent="-228600" algn="l" defTabSz="914400" rtl="0" eaLnBrk="1" latinLnBrk="0" hangingPunct="1">
+              <a:lnSpc>
+                <a:spcPct val="90000"/>
+              </a:lnSpc>
+              <a:spcBef>
+                <a:spcPts val="500"/>
+              </a:spcBef>
+              <a:buFont typeface="Arial" panose="020B0604020202020204" pitchFamily="34" charset="0"/>
+              <a:buChar char="•"/>
+              <a:defRPr sz="2400" kern="1200">
+                <a:solidFill>
+                  <a:srgbClr val="551913"/>
+                </a:solidFill>
+                <a:latin typeface="Montserrat ExtraLight" panose="00000300000000000000" pitchFamily="2" charset="0"/>
+                <a:ea typeface="+mn-ea"/>
+                <a:cs typeface="+mn-cs"/>
+              </a:defRPr>
+            </a:lvl2pPr>
+            <a:lvl3pPr marL="1143000" indent="-228600" algn="l" defTabSz="914400" rtl="0" eaLnBrk="1" latinLnBrk="0" hangingPunct="1">
+              <a:lnSpc>
+                <a:spcPct val="90000"/>
+              </a:lnSpc>
+              <a:spcBef>
+                <a:spcPts val="500"/>
+              </a:spcBef>
+              <a:buFont typeface="Arial" panose="020B0604020202020204" pitchFamily="34" charset="0"/>
+              <a:buChar char="•"/>
+              <a:defRPr sz="2000" kern="1200">
+                <a:solidFill>
+                  <a:srgbClr val="551913"/>
+                </a:solidFill>
+                <a:latin typeface="Montserrat ExtraLight" panose="00000300000000000000" pitchFamily="2" charset="0"/>
+                <a:ea typeface="+mn-ea"/>
+                <a:cs typeface="+mn-cs"/>
+              </a:defRPr>
+            </a:lvl3pPr>
+            <a:lvl4pPr marL="1600200" indent="-228600" algn="l" defTabSz="914400" rtl="0" eaLnBrk="1" latinLnBrk="0" hangingPunct="1">
+              <a:lnSpc>
+                <a:spcPct val="90000"/>
+              </a:lnSpc>
+              <a:spcBef>
+                <a:spcPts val="500"/>
+              </a:spcBef>
+              <a:buFont typeface="Arial" panose="020B0604020202020204" pitchFamily="34" charset="0"/>
+              <a:buChar char="•"/>
+              <a:defRPr sz="1800" kern="1200">
+                <a:solidFill>
+                  <a:srgbClr val="551913"/>
+                </a:solidFill>
+                <a:latin typeface="Montserrat ExtraLight" panose="00000300000000000000" pitchFamily="2" charset="0"/>
+                <a:ea typeface="+mn-ea"/>
+                <a:cs typeface="+mn-cs"/>
+              </a:defRPr>
+            </a:lvl4pPr>
+            <a:lvl5pPr marL="2057400" indent="-228600" algn="l" defTabSz="914400" rtl="0" eaLnBrk="1" latinLnBrk="0" hangingPunct="1">
+              <a:lnSpc>
+                <a:spcPct val="90000"/>
+              </a:lnSpc>
+              <a:spcBef>
+                <a:spcPts val="500"/>
+              </a:spcBef>
+              <a:buFont typeface="Arial" panose="020B0604020202020204" pitchFamily="34" charset="0"/>
+              <a:buChar char="•"/>
+              <a:defRPr sz="1800" kern="1200">
+                <a:solidFill>
+                  <a:srgbClr val="551913"/>
+                </a:solidFill>
+                <a:latin typeface="Montserrat ExtraLight" panose="00000300000000000000" pitchFamily="2" charset="0"/>
+                <a:ea typeface="+mn-ea"/>
+                <a:cs typeface="+mn-cs"/>
+              </a:defRPr>
+            </a:lvl5pPr>
+            <a:lvl6pPr marL="2514600" indent="-228600" algn="l" defTabSz="914400" rtl="0" eaLnBrk="1" latinLnBrk="0" hangingPunct="1">
+              <a:lnSpc>
+                <a:spcPct val="90000"/>
+              </a:lnSpc>
+              <a:spcBef>
+                <a:spcPts val="500"/>
+              </a:spcBef>
+              <a:buFont typeface="Arial" panose="020B0604020202020204" pitchFamily="34" charset="0"/>
+              <a:buChar char="•"/>
+              <a:defRPr sz="1800" kern="1200">
+                <a:solidFill>
+                  <a:schemeClr val="tx1"/>
+                </a:solidFill>
+                <a:latin typeface="+mn-lt"/>
+                <a:ea typeface="+mn-ea"/>
+                <a:cs typeface="+mn-cs"/>
+              </a:defRPr>
+            </a:lvl6pPr>
+            <a:lvl7pPr marL="2971800" indent="-228600" algn="l" defTabSz="914400" rtl="0" eaLnBrk="1" latinLnBrk="0" hangingPunct="1">
+              <a:lnSpc>
+                <a:spcPct val="90000"/>
+              </a:lnSpc>
+              <a:spcBef>
+                <a:spcPts val="500"/>
+              </a:spcBef>
+              <a:buFont typeface="Arial" panose="020B0604020202020204" pitchFamily="34" charset="0"/>
+              <a:buChar char="•"/>
+              <a:defRPr sz="1800" kern="1200">
+                <a:solidFill>
+                  <a:schemeClr val="tx1"/>
+                </a:solidFill>
+                <a:latin typeface="+mn-lt"/>
+                <a:ea typeface="+mn-ea"/>
+                <a:cs typeface="+mn-cs"/>
+              </a:defRPr>
+            </a:lvl7pPr>
+            <a:lvl8pPr marL="3429000" indent="-228600" algn="l" defTabSz="914400" rtl="0" eaLnBrk="1" latinLnBrk="0" hangingPunct="1">
+              <a:lnSpc>
+                <a:spcPct val="90000"/>
+              </a:lnSpc>
+              <a:spcBef>
+                <a:spcPts val="500"/>
+              </a:spcBef>
+              <a:buFont typeface="Arial" panose="020B0604020202020204" pitchFamily="34" charset="0"/>
+              <a:buChar char="•"/>
+              <a:defRPr sz="1800" kern="1200">
+                <a:solidFill>
+                  <a:schemeClr val="tx1"/>
+                </a:solidFill>
+                <a:latin typeface="+mn-lt"/>
+                <a:ea typeface="+mn-ea"/>
+                <a:cs typeface="+mn-cs"/>
+              </a:defRPr>
+            </a:lvl8pPr>
+            <a:lvl9pPr marL="3886200" indent="-228600" algn="l" defTabSz="914400" rtl="0" eaLnBrk="1" latinLnBrk="0" hangingPunct="1">
+              <a:lnSpc>
+                <a:spcPct val="90000"/>
+              </a:lnSpc>
+              <a:spcBef>
+                <a:spcPts val="500"/>
+              </a:spcBef>
+              <a:buFont typeface="Arial" panose="020B0604020202020204" pitchFamily="34" charset="0"/>
+              <a:buChar char="•"/>
+              <a:defRPr sz="1800" kern="1200">
+                <a:solidFill>
+                  <a:schemeClr val="tx1"/>
+                </a:solidFill>
+                <a:latin typeface="+mn-lt"/>
+                <a:ea typeface="+mn-ea"/>
+                <a:cs typeface="+mn-cs"/>
+              </a:defRPr>
+            </a:lvl9pPr>
+          </a:lstStyle>
+          <a:p>
+            <a:pPr marL="0" indent="0" algn="ctr">
+              <a:buFont typeface="Arial" panose="020B0604020202020204" pitchFamily="34" charset="0"/>
+              <a:buNone/>
+            </a:pPr>
+            <a:r>
+              <a:rPr lang="fr-FR" dirty="0"/>
+              <a:t>Diffusion</a:t>
+            </a:r>
+          </a:p>
+          <a:p>
+            <a:pPr marL="0" indent="0" algn="ctr">
+              <a:buFont typeface="Arial" panose="020B0604020202020204" pitchFamily="34" charset="0"/>
+              <a:buNone/>
+            </a:pPr>
+            <a:r>
+              <a:rPr lang="fr-FR" sz="1600" dirty="0">
+                <a:latin typeface="Montserrat Light" panose="00000400000000000000" pitchFamily="2" charset="0"/>
+              </a:rPr>
+              <a:t>… et en ajoutant un effet « addictif ».</a:t>
+            </a:r>
+          </a:p>
+        </p:txBody>
+      </p:sp>
+      <p:sp>
+        <p:nvSpPr>
+          <p:cNvPr id="14" name="Espace réservé du contenu 2">
+            <a:extLst>
+              <a:ext uri="{FF2B5EF4-FFF2-40B4-BE49-F238E27FC236}">
+                <a16:creationId xmlns:a16="http://schemas.microsoft.com/office/drawing/2014/main" id="{0F9D3E52-5227-474B-BAE4-EDC7D562406F}"/>
+              </a:ext>
+            </a:extLst>
+          </p:cNvPr>
+          <p:cNvSpPr txBox="1">
+            <a:spLocks/>
+          </p:cNvSpPr>
+          <p:nvPr/>
+        </p:nvSpPr>
+        <p:spPr>
+          <a:xfrm>
+            <a:off x="1343622" y="4091779"/>
+            <a:ext cx="2196702" cy="1487091"/>
+          </a:xfrm>
+          <a:prstGeom prst="rect">
+            <a:avLst/>
+          </a:prstGeom>
+        </p:spPr>
+        <p:txBody>
+          <a:bodyPr vert="horz" lIns="91440" tIns="45720" rIns="91440" bIns="45720" rtlCol="0">
+            <a:normAutofit/>
+          </a:bodyPr>
+          <a:lstStyle>
+            <a:lvl1pPr marL="228600" indent="-228600" algn="l" defTabSz="914400" rtl="0" eaLnBrk="1" latinLnBrk="0" hangingPunct="1">
+              <a:lnSpc>
+                <a:spcPct val="90000"/>
+              </a:lnSpc>
+              <a:spcBef>
+                <a:spcPts val="1000"/>
+              </a:spcBef>
+              <a:buFont typeface="Arial" panose="020B0604020202020204" pitchFamily="34" charset="0"/>
+              <a:buChar char="•"/>
+              <a:defRPr sz="2800" kern="1200">
+                <a:solidFill>
+                  <a:srgbClr val="551913"/>
+                </a:solidFill>
+                <a:latin typeface="Montserrat ExtraLight" panose="00000300000000000000" pitchFamily="2" charset="0"/>
+                <a:ea typeface="+mn-ea"/>
+                <a:cs typeface="+mn-cs"/>
+              </a:defRPr>
+            </a:lvl1pPr>
+            <a:lvl2pPr marL="685800" indent="-228600" algn="l" defTabSz="914400" rtl="0" eaLnBrk="1" latinLnBrk="0" hangingPunct="1">
+              <a:lnSpc>
+                <a:spcPct val="90000"/>
+              </a:lnSpc>
+              <a:spcBef>
+                <a:spcPts val="500"/>
+              </a:spcBef>
+              <a:buFont typeface="Arial" panose="020B0604020202020204" pitchFamily="34" charset="0"/>
+              <a:buChar char="•"/>
+              <a:defRPr sz="2400" kern="1200">
+                <a:solidFill>
+                  <a:srgbClr val="551913"/>
+                </a:solidFill>
+                <a:latin typeface="Montserrat ExtraLight" panose="00000300000000000000" pitchFamily="2" charset="0"/>
+                <a:ea typeface="+mn-ea"/>
+                <a:cs typeface="+mn-cs"/>
+              </a:defRPr>
+            </a:lvl2pPr>
+            <a:lvl3pPr marL="1143000" indent="-228600" algn="l" defTabSz="914400" rtl="0" eaLnBrk="1" latinLnBrk="0" hangingPunct="1">
+              <a:lnSpc>
+                <a:spcPct val="90000"/>
+              </a:lnSpc>
+              <a:spcBef>
+                <a:spcPts val="500"/>
+              </a:spcBef>
+              <a:buFont typeface="Arial" panose="020B0604020202020204" pitchFamily="34" charset="0"/>
+              <a:buChar char="•"/>
+              <a:defRPr sz="2000" kern="1200">
+                <a:solidFill>
+                  <a:srgbClr val="551913"/>
+                </a:solidFill>
+                <a:latin typeface="Montserrat ExtraLight" panose="00000300000000000000" pitchFamily="2" charset="0"/>
+                <a:ea typeface="+mn-ea"/>
+                <a:cs typeface="+mn-cs"/>
+              </a:defRPr>
+            </a:lvl3pPr>
+            <a:lvl4pPr marL="1600200" indent="-228600" algn="l" defTabSz="914400" rtl="0" eaLnBrk="1" latinLnBrk="0" hangingPunct="1">
+              <a:lnSpc>
+                <a:spcPct val="90000"/>
+              </a:lnSpc>
+              <a:spcBef>
+                <a:spcPts val="500"/>
+              </a:spcBef>
+              <a:buFont typeface="Arial" panose="020B0604020202020204" pitchFamily="34" charset="0"/>
+              <a:buChar char="•"/>
+              <a:defRPr sz="1800" kern="1200">
+                <a:solidFill>
+                  <a:srgbClr val="551913"/>
+                </a:solidFill>
+                <a:latin typeface="Montserrat ExtraLight" panose="00000300000000000000" pitchFamily="2" charset="0"/>
+                <a:ea typeface="+mn-ea"/>
+                <a:cs typeface="+mn-cs"/>
+              </a:defRPr>
+            </a:lvl4pPr>
+            <a:lvl5pPr marL="2057400" indent="-228600" algn="l" defTabSz="914400" rtl="0" eaLnBrk="1" latinLnBrk="0" hangingPunct="1">
+              <a:lnSpc>
+                <a:spcPct val="90000"/>
+              </a:lnSpc>
+              <a:spcBef>
+                <a:spcPts val="500"/>
+              </a:spcBef>
+              <a:buFont typeface="Arial" panose="020B0604020202020204" pitchFamily="34" charset="0"/>
+              <a:buChar char="•"/>
+              <a:defRPr sz="1800" kern="1200">
+                <a:solidFill>
+                  <a:srgbClr val="551913"/>
+                </a:solidFill>
+                <a:latin typeface="Montserrat ExtraLight" panose="00000300000000000000" pitchFamily="2" charset="0"/>
+                <a:ea typeface="+mn-ea"/>
+                <a:cs typeface="+mn-cs"/>
+              </a:defRPr>
+            </a:lvl5pPr>
+            <a:lvl6pPr marL="2514600" indent="-228600" algn="l" defTabSz="914400" rtl="0" eaLnBrk="1" latinLnBrk="0" hangingPunct="1">
+              <a:lnSpc>
+                <a:spcPct val="90000"/>
+              </a:lnSpc>
+              <a:spcBef>
+                <a:spcPts val="500"/>
+              </a:spcBef>
+              <a:buFont typeface="Arial" panose="020B0604020202020204" pitchFamily="34" charset="0"/>
+              <a:buChar char="•"/>
+              <a:defRPr sz="1800" kern="1200">
+                <a:solidFill>
+                  <a:schemeClr val="tx1"/>
+                </a:solidFill>
+                <a:latin typeface="+mn-lt"/>
+                <a:ea typeface="+mn-ea"/>
+                <a:cs typeface="+mn-cs"/>
+              </a:defRPr>
+            </a:lvl6pPr>
+            <a:lvl7pPr marL="2971800" indent="-228600" algn="l" defTabSz="914400" rtl="0" eaLnBrk="1" latinLnBrk="0" hangingPunct="1">
+              <a:lnSpc>
+                <a:spcPct val="90000"/>
+              </a:lnSpc>
+              <a:spcBef>
+                <a:spcPts val="500"/>
+              </a:spcBef>
+              <a:buFont typeface="Arial" panose="020B0604020202020204" pitchFamily="34" charset="0"/>
+              <a:buChar char="•"/>
+              <a:defRPr sz="1800" kern="1200">
+                <a:solidFill>
+                  <a:schemeClr val="tx1"/>
+                </a:solidFill>
+                <a:latin typeface="+mn-lt"/>
+                <a:ea typeface="+mn-ea"/>
+                <a:cs typeface="+mn-cs"/>
+              </a:defRPr>
+            </a:lvl7pPr>
+            <a:lvl8pPr marL="3429000" indent="-228600" algn="l" defTabSz="914400" rtl="0" eaLnBrk="1" latinLnBrk="0" hangingPunct="1">
+              <a:lnSpc>
+                <a:spcPct val="90000"/>
+              </a:lnSpc>
+              <a:spcBef>
+                <a:spcPts val="500"/>
+              </a:spcBef>
+              <a:buFont typeface="Arial" panose="020B0604020202020204" pitchFamily="34" charset="0"/>
+              <a:buChar char="•"/>
+              <a:defRPr sz="1800" kern="1200">
+                <a:solidFill>
+                  <a:schemeClr val="tx1"/>
+                </a:solidFill>
+                <a:latin typeface="+mn-lt"/>
+                <a:ea typeface="+mn-ea"/>
+                <a:cs typeface="+mn-cs"/>
+              </a:defRPr>
+            </a:lvl8pPr>
+            <a:lvl9pPr marL="3886200" indent="-228600" algn="l" defTabSz="914400" rtl="0" eaLnBrk="1" latinLnBrk="0" hangingPunct="1">
+              <a:lnSpc>
+                <a:spcPct val="90000"/>
+              </a:lnSpc>
+              <a:spcBef>
+                <a:spcPts val="500"/>
+              </a:spcBef>
+              <a:buFont typeface="Arial" panose="020B0604020202020204" pitchFamily="34" charset="0"/>
+              <a:buChar char="•"/>
+              <a:defRPr sz="1800" kern="1200">
+                <a:solidFill>
+                  <a:schemeClr val="tx1"/>
+                </a:solidFill>
+                <a:latin typeface="+mn-lt"/>
+                <a:ea typeface="+mn-ea"/>
+                <a:cs typeface="+mn-cs"/>
+              </a:defRPr>
+            </a:lvl9pPr>
+          </a:lstStyle>
+          <a:p>
+            <a:pPr marL="0" indent="0" algn="ctr">
+              <a:buFont typeface="Arial" panose="020B0604020202020204" pitchFamily="34" charset="0"/>
+              <a:buNone/>
+            </a:pPr>
+            <a:r>
+              <a:rPr lang="fr-FR" dirty="0"/>
+              <a:t>Annotation</a:t>
+            </a:r>
+          </a:p>
+          <a:p>
+            <a:pPr marL="0" indent="0" algn="ctr">
+              <a:buFont typeface="Arial" panose="020B0604020202020204" pitchFamily="34" charset="0"/>
+              <a:buNone/>
+            </a:pPr>
+            <a:r>
+              <a:rPr lang="fr-FR" sz="1600" dirty="0">
+                <a:latin typeface="Montserrat Light" panose="00000400000000000000" pitchFamily="2" charset="0"/>
+              </a:rPr>
+              <a:t>Annoter de nombreux documents…</a:t>
+            </a:r>
+          </a:p>
+        </p:txBody>
+      </p:sp>
+      <p:sp>
+        <p:nvSpPr>
+          <p:cNvPr id="15" name="Espace réservé du contenu 2">
+            <a:extLst>
+              <a:ext uri="{FF2B5EF4-FFF2-40B4-BE49-F238E27FC236}">
+                <a16:creationId xmlns:a16="http://schemas.microsoft.com/office/drawing/2014/main" id="{DF2F5FC4-DCF3-44C4-A27A-EB56354A6A14}"/>
+              </a:ext>
+            </a:extLst>
+          </p:cNvPr>
+          <p:cNvSpPr txBox="1">
+            <a:spLocks/>
+          </p:cNvSpPr>
+          <p:nvPr/>
+        </p:nvSpPr>
+        <p:spPr>
+          <a:xfrm>
+            <a:off x="3752850" y="4091778"/>
+            <a:ext cx="2196702" cy="1487091"/>
+          </a:xfrm>
+          <a:prstGeom prst="rect">
+            <a:avLst/>
+          </a:prstGeom>
+        </p:spPr>
+        <p:txBody>
+          <a:bodyPr vert="horz" lIns="91440" tIns="45720" rIns="91440" bIns="45720" rtlCol="0">
+            <a:normAutofit/>
+          </a:bodyPr>
+          <a:lstStyle>
+            <a:lvl1pPr marL="228600" indent="-228600" algn="l" defTabSz="914400" rtl="0" eaLnBrk="1" latinLnBrk="0" hangingPunct="1">
+              <a:lnSpc>
+                <a:spcPct val="90000"/>
+              </a:lnSpc>
+              <a:spcBef>
+                <a:spcPts val="1000"/>
+              </a:spcBef>
+              <a:buFont typeface="Arial" panose="020B0604020202020204" pitchFamily="34" charset="0"/>
+              <a:buChar char="•"/>
+              <a:defRPr sz="2800" kern="1200">
+                <a:solidFill>
+                  <a:srgbClr val="551913"/>
+                </a:solidFill>
+                <a:latin typeface="Montserrat ExtraLight" panose="00000300000000000000" pitchFamily="2" charset="0"/>
+                <a:ea typeface="+mn-ea"/>
+                <a:cs typeface="+mn-cs"/>
+              </a:defRPr>
+            </a:lvl1pPr>
+            <a:lvl2pPr marL="685800" indent="-228600" algn="l" defTabSz="914400" rtl="0" eaLnBrk="1" latinLnBrk="0" hangingPunct="1">
+              <a:lnSpc>
+                <a:spcPct val="90000"/>
+              </a:lnSpc>
+              <a:spcBef>
+                <a:spcPts val="500"/>
+              </a:spcBef>
+              <a:buFont typeface="Arial" panose="020B0604020202020204" pitchFamily="34" charset="0"/>
+              <a:buChar char="•"/>
+              <a:defRPr sz="2400" kern="1200">
+                <a:solidFill>
+                  <a:srgbClr val="551913"/>
+                </a:solidFill>
+                <a:latin typeface="Montserrat ExtraLight" panose="00000300000000000000" pitchFamily="2" charset="0"/>
+                <a:ea typeface="+mn-ea"/>
+                <a:cs typeface="+mn-cs"/>
+              </a:defRPr>
+            </a:lvl2pPr>
+            <a:lvl3pPr marL="1143000" indent="-228600" algn="l" defTabSz="914400" rtl="0" eaLnBrk="1" latinLnBrk="0" hangingPunct="1">
+              <a:lnSpc>
+                <a:spcPct val="90000"/>
+              </a:lnSpc>
+              <a:spcBef>
+                <a:spcPts val="500"/>
+              </a:spcBef>
+              <a:buFont typeface="Arial" panose="020B0604020202020204" pitchFamily="34" charset="0"/>
+              <a:buChar char="•"/>
+              <a:defRPr sz="2000" kern="1200">
+                <a:solidFill>
+                  <a:srgbClr val="551913"/>
+                </a:solidFill>
+                <a:latin typeface="Montserrat ExtraLight" panose="00000300000000000000" pitchFamily="2" charset="0"/>
+                <a:ea typeface="+mn-ea"/>
+                <a:cs typeface="+mn-cs"/>
+              </a:defRPr>
+            </a:lvl3pPr>
+            <a:lvl4pPr marL="1600200" indent="-228600" algn="l" defTabSz="914400" rtl="0" eaLnBrk="1" latinLnBrk="0" hangingPunct="1">
+              <a:lnSpc>
+                <a:spcPct val="90000"/>
+              </a:lnSpc>
+              <a:spcBef>
+                <a:spcPts val="500"/>
+              </a:spcBef>
+              <a:buFont typeface="Arial" panose="020B0604020202020204" pitchFamily="34" charset="0"/>
+              <a:buChar char="•"/>
+              <a:defRPr sz="1800" kern="1200">
+                <a:solidFill>
+                  <a:srgbClr val="551913"/>
+                </a:solidFill>
+                <a:latin typeface="Montserrat ExtraLight" panose="00000300000000000000" pitchFamily="2" charset="0"/>
+                <a:ea typeface="+mn-ea"/>
+                <a:cs typeface="+mn-cs"/>
+              </a:defRPr>
+            </a:lvl4pPr>
+            <a:lvl5pPr marL="2057400" indent="-228600" algn="l" defTabSz="914400" rtl="0" eaLnBrk="1" latinLnBrk="0" hangingPunct="1">
+              <a:lnSpc>
+                <a:spcPct val="90000"/>
+              </a:lnSpc>
+              <a:spcBef>
+                <a:spcPts val="500"/>
+              </a:spcBef>
+              <a:buFont typeface="Arial" panose="020B0604020202020204" pitchFamily="34" charset="0"/>
+              <a:buChar char="•"/>
+              <a:defRPr sz="1800" kern="1200">
+                <a:solidFill>
+                  <a:srgbClr val="551913"/>
+                </a:solidFill>
+                <a:latin typeface="Montserrat ExtraLight" panose="00000300000000000000" pitchFamily="2" charset="0"/>
+                <a:ea typeface="+mn-ea"/>
+                <a:cs typeface="+mn-cs"/>
+              </a:defRPr>
+            </a:lvl5pPr>
+            <a:lvl6pPr marL="2514600" indent="-228600" algn="l" defTabSz="914400" rtl="0" eaLnBrk="1" latinLnBrk="0" hangingPunct="1">
+              <a:lnSpc>
+                <a:spcPct val="90000"/>
+              </a:lnSpc>
+              <a:spcBef>
+                <a:spcPts val="500"/>
+              </a:spcBef>
+              <a:buFont typeface="Arial" panose="020B0604020202020204" pitchFamily="34" charset="0"/>
+              <a:buChar char="•"/>
+              <a:defRPr sz="1800" kern="1200">
+                <a:solidFill>
+                  <a:schemeClr val="tx1"/>
+                </a:solidFill>
+                <a:latin typeface="+mn-lt"/>
+                <a:ea typeface="+mn-ea"/>
+                <a:cs typeface="+mn-cs"/>
+              </a:defRPr>
+            </a:lvl6pPr>
+            <a:lvl7pPr marL="2971800" indent="-228600" algn="l" defTabSz="914400" rtl="0" eaLnBrk="1" latinLnBrk="0" hangingPunct="1">
+              <a:lnSpc>
+                <a:spcPct val="90000"/>
+              </a:lnSpc>
+              <a:spcBef>
+                <a:spcPts val="500"/>
+              </a:spcBef>
+              <a:buFont typeface="Arial" panose="020B0604020202020204" pitchFamily="34" charset="0"/>
+              <a:buChar char="•"/>
+              <a:defRPr sz="1800" kern="1200">
+                <a:solidFill>
+                  <a:schemeClr val="tx1"/>
+                </a:solidFill>
+                <a:latin typeface="+mn-lt"/>
+                <a:ea typeface="+mn-ea"/>
+                <a:cs typeface="+mn-cs"/>
+              </a:defRPr>
+            </a:lvl7pPr>
+            <a:lvl8pPr marL="3429000" indent="-228600" algn="l" defTabSz="914400" rtl="0" eaLnBrk="1" latinLnBrk="0" hangingPunct="1">
+              <a:lnSpc>
+                <a:spcPct val="90000"/>
+              </a:lnSpc>
+              <a:spcBef>
+                <a:spcPts val="500"/>
+              </a:spcBef>
+              <a:buFont typeface="Arial" panose="020B0604020202020204" pitchFamily="34" charset="0"/>
+              <a:buChar char="•"/>
+              <a:defRPr sz="1800" kern="1200">
+                <a:solidFill>
+                  <a:schemeClr val="tx1"/>
+                </a:solidFill>
+                <a:latin typeface="+mn-lt"/>
+                <a:ea typeface="+mn-ea"/>
+                <a:cs typeface="+mn-cs"/>
+              </a:defRPr>
+            </a:lvl8pPr>
+            <a:lvl9pPr marL="3886200" indent="-228600" algn="l" defTabSz="914400" rtl="0" eaLnBrk="1" latinLnBrk="0" hangingPunct="1">
+              <a:lnSpc>
+                <a:spcPct val="90000"/>
+              </a:lnSpc>
+              <a:spcBef>
+                <a:spcPts val="500"/>
+              </a:spcBef>
+              <a:buFont typeface="Arial" panose="020B0604020202020204" pitchFamily="34" charset="0"/>
+              <a:buChar char="•"/>
+              <a:defRPr sz="1800" kern="1200">
+                <a:solidFill>
+                  <a:schemeClr val="tx1"/>
+                </a:solidFill>
+                <a:latin typeface="+mn-lt"/>
+                <a:ea typeface="+mn-ea"/>
+                <a:cs typeface="+mn-cs"/>
+              </a:defRPr>
+            </a:lvl9pPr>
+          </a:lstStyle>
+          <a:p>
+            <a:pPr marL="0" indent="0" algn="ctr">
+              <a:buFont typeface="Arial" panose="020B0604020202020204" pitchFamily="34" charset="0"/>
+              <a:buNone/>
+            </a:pPr>
+            <a:r>
+              <a:rPr lang="fr-FR" dirty="0"/>
+              <a:t>Jeu</a:t>
+            </a:r>
+          </a:p>
+          <a:p>
+            <a:pPr marL="0" indent="0" algn="ctr">
+              <a:buFont typeface="Arial" panose="020B0604020202020204" pitchFamily="34" charset="0"/>
+              <a:buNone/>
+            </a:pPr>
+            <a:r>
+              <a:rPr lang="fr-FR" sz="1600" dirty="0">
+                <a:latin typeface="Montserrat Light" panose="00000400000000000000" pitchFamily="2" charset="0"/>
+              </a:rPr>
+              <a:t>… de </a:t>
+            </a:r>
+            <a:r>
+              <a:rPr lang="fr-FR" sz="1800" dirty="0">
+                <a:latin typeface="Montserrat Light" panose="00000400000000000000" pitchFamily="2" charset="0"/>
+              </a:rPr>
+              <a:t>façon</a:t>
+            </a:r>
+            <a:r>
+              <a:rPr lang="fr-FR" sz="1600" dirty="0">
+                <a:latin typeface="Montserrat Light" panose="00000400000000000000" pitchFamily="2" charset="0"/>
+              </a:rPr>
+              <a:t> ludique…</a:t>
+            </a:r>
+          </a:p>
+        </p:txBody>
+      </p:sp>
+      <p:pic>
+        <p:nvPicPr>
+          <p:cNvPr id="34" name="Image 33">
+            <a:extLst>
+              <a:ext uri="{FF2B5EF4-FFF2-40B4-BE49-F238E27FC236}">
+                <a16:creationId xmlns:a16="http://schemas.microsoft.com/office/drawing/2014/main" id="{5CDE12A5-4102-4262-A169-40A6FF17A801}"/>
+              </a:ext>
+            </a:extLst>
+          </p:cNvPr>
+          <p:cNvPicPr>
+            <a:picLocks noChangeAspect="1"/>
+          </p:cNvPicPr>
+          <p:nvPr/>
+        </p:nvPicPr>
+        <p:blipFill>
+          <a:blip r:embed="rId2">
+            <a:extLst>
+              <a:ext uri="{28A0092B-C50C-407E-A947-70E740481C1C}">
+                <a14:useLocalDpi xmlns:a14="http://schemas.microsoft.com/office/drawing/2010/main" val="0"/>
+              </a:ext>
+            </a:extLst>
+          </a:blip>
+          <a:stretch>
+            <a:fillRect/>
+          </a:stretch>
+        </p:blipFill>
+        <p:spPr>
+          <a:xfrm>
+            <a:off x="4404937" y="2679300"/>
+            <a:ext cx="892527" cy="803275"/>
+          </a:xfrm>
+          <a:prstGeom prst="rect">
+            <a:avLst/>
+          </a:prstGeom>
+        </p:spPr>
+      </p:pic>
+      <p:pic>
+        <p:nvPicPr>
+          <p:cNvPr id="36" name="Image 35">
+            <a:extLst>
+              <a:ext uri="{FF2B5EF4-FFF2-40B4-BE49-F238E27FC236}">
+                <a16:creationId xmlns:a16="http://schemas.microsoft.com/office/drawing/2014/main" id="{1715B893-6753-4302-B7D0-A76CE7861875}"/>
+              </a:ext>
+            </a:extLst>
+          </p:cNvPr>
+          <p:cNvPicPr>
+            <a:picLocks noChangeAspect="1"/>
+          </p:cNvPicPr>
+          <p:nvPr/>
+        </p:nvPicPr>
+        <p:blipFill>
+          <a:blip r:embed="rId3">
+            <a:extLst>
+              <a:ext uri="{28A0092B-C50C-407E-A947-70E740481C1C}">
+                <a14:useLocalDpi xmlns:a14="http://schemas.microsoft.com/office/drawing/2010/main" val="0"/>
+              </a:ext>
+            </a:extLst>
+          </a:blip>
+          <a:stretch>
+            <a:fillRect/>
+          </a:stretch>
+        </p:blipFill>
+        <p:spPr>
+          <a:xfrm>
+            <a:off x="9330534" y="2699537"/>
+            <a:ext cx="820800" cy="802060"/>
+          </a:xfrm>
+          <a:prstGeom prst="rect">
+            <a:avLst/>
+          </a:prstGeom>
+        </p:spPr>
+      </p:pic>
+      <p:pic>
+        <p:nvPicPr>
+          <p:cNvPr id="46" name="Image 45">
+            <a:extLst>
+              <a:ext uri="{FF2B5EF4-FFF2-40B4-BE49-F238E27FC236}">
+                <a16:creationId xmlns:a16="http://schemas.microsoft.com/office/drawing/2014/main" id="{7A0B5E8C-C4AB-488E-B3C3-A40C93C20746}"/>
+              </a:ext>
+            </a:extLst>
+          </p:cNvPr>
+          <p:cNvPicPr>
+            <a:picLocks noChangeAspect="1"/>
+          </p:cNvPicPr>
+          <p:nvPr/>
+        </p:nvPicPr>
+        <p:blipFill>
+          <a:blip r:embed="rId4">
+            <a:extLst>
+              <a:ext uri="{28A0092B-C50C-407E-A947-70E740481C1C}">
+                <a14:useLocalDpi xmlns:a14="http://schemas.microsoft.com/office/drawing/2010/main" val="0"/>
+              </a:ext>
+            </a:extLst>
+          </a:blip>
+          <a:stretch>
+            <a:fillRect/>
+          </a:stretch>
+        </p:blipFill>
+        <p:spPr>
+          <a:xfrm>
+            <a:off x="6852437" y="2872975"/>
+            <a:ext cx="878543" cy="609600"/>
+          </a:xfrm>
+          <a:prstGeom prst="rect">
+            <a:avLst/>
+          </a:prstGeom>
+        </p:spPr>
+      </p:pic>
+      <p:pic>
+        <p:nvPicPr>
+          <p:cNvPr id="48" name="Image 47">
+            <a:extLst>
+              <a:ext uri="{FF2B5EF4-FFF2-40B4-BE49-F238E27FC236}">
+                <a16:creationId xmlns:a16="http://schemas.microsoft.com/office/drawing/2014/main" id="{947E741E-1498-4EBE-BB31-06229369A6A3}"/>
+              </a:ext>
+            </a:extLst>
+          </p:cNvPr>
+          <p:cNvPicPr>
+            <a:picLocks noChangeAspect="1"/>
+          </p:cNvPicPr>
+          <p:nvPr/>
+        </p:nvPicPr>
+        <p:blipFill>
+          <a:blip r:embed="rId5">
+            <a:extLst>
+              <a:ext uri="{28A0092B-C50C-407E-A947-70E740481C1C}">
+                <a14:useLocalDpi xmlns:a14="http://schemas.microsoft.com/office/drawing/2010/main" val="0"/>
+              </a:ext>
+            </a:extLst>
+          </a:blip>
+          <a:stretch>
+            <a:fillRect/>
+          </a:stretch>
+        </p:blipFill>
+        <p:spPr>
+          <a:xfrm>
+            <a:off x="2091117" y="2746356"/>
+            <a:ext cx="701711" cy="704886"/>
+          </a:xfrm>
+          <a:prstGeom prst="rect">
+            <a:avLst/>
+          </a:prstGeom>
+        </p:spPr>
+      </p:pic>
     </p:spTree>
     <p:extLst>
       <p:ext uri="{BB962C8B-B14F-4D97-AF65-F5344CB8AC3E}">
@@ -4922,7 +6294,7 @@
           <a:bodyPr/>
           <a:lstStyle/>
           <a:p>
-            <a:endParaRPr lang="fr-FR"/>
+            <a:endParaRPr lang="fr-FR" dirty="0"/>
           </a:p>
         </p:txBody>
       </p:sp>
@@ -4956,6 +6328,137 @@
           <a:chExt cx="0" cy="0"/>
         </a:xfrm>
       </p:grpSpPr>
+      <p:grpSp>
+        <p:nvGrpSpPr>
+          <p:cNvPr id="4" name="Groupe 3">
+            <a:extLst>
+              <a:ext uri="{FF2B5EF4-FFF2-40B4-BE49-F238E27FC236}">
+                <a16:creationId xmlns:a16="http://schemas.microsoft.com/office/drawing/2014/main" id="{B4FFBA3D-F9E0-44EB-8544-7BBAC4CBC93F}"/>
+              </a:ext>
+            </a:extLst>
+          </p:cNvPr>
+          <p:cNvGrpSpPr/>
+          <p:nvPr/>
+        </p:nvGrpSpPr>
+        <p:grpSpPr>
+          <a:xfrm>
+            <a:off x="1413273" y="2105819"/>
+            <a:ext cx="2057400" cy="3733800"/>
+            <a:chOff x="1413273" y="2105819"/>
+            <a:chExt cx="2057400" cy="3733800"/>
+          </a:xfrm>
+        </p:grpSpPr>
+        <p:sp>
+          <p:nvSpPr>
+            <p:cNvPr id="5" name="Rectangle 4">
+              <a:extLst>
+                <a:ext uri="{FF2B5EF4-FFF2-40B4-BE49-F238E27FC236}">
+                  <a16:creationId xmlns:a16="http://schemas.microsoft.com/office/drawing/2014/main" id="{BC135301-7CDD-4FB6-81D4-FA209F7D3B7D}"/>
+                </a:ext>
+              </a:extLst>
+            </p:cNvPr>
+            <p:cNvSpPr/>
+            <p:nvPr/>
+          </p:nvSpPr>
+          <p:spPr>
+            <a:xfrm>
+              <a:off x="1413273" y="2105819"/>
+              <a:ext cx="2057400" cy="3733800"/>
+            </a:xfrm>
+            <a:prstGeom prst="rect">
+              <a:avLst/>
+            </a:prstGeom>
+            <a:solidFill>
+              <a:srgbClr val="E74C3C"/>
+            </a:solidFill>
+            <a:ln>
+              <a:solidFill>
+                <a:srgbClr val="E74C3C"/>
+              </a:solidFill>
+            </a:ln>
+          </p:spPr>
+          <p:style>
+            <a:lnRef idx="2">
+              <a:schemeClr val="accent1">
+                <a:shade val="50000"/>
+              </a:schemeClr>
+            </a:lnRef>
+            <a:fillRef idx="1">
+              <a:schemeClr val="accent1"/>
+            </a:fillRef>
+            <a:effectRef idx="0">
+              <a:schemeClr val="accent1"/>
+            </a:effectRef>
+            <a:fontRef idx="minor">
+              <a:schemeClr val="lt1"/>
+            </a:fontRef>
+          </p:style>
+          <p:txBody>
+            <a:bodyPr rtlCol="0" anchor="ctr"/>
+            <a:lstStyle/>
+            <a:p>
+              <a:pPr algn="ctr"/>
+              <a:endParaRPr lang="fr-FR" dirty="0"/>
+            </a:p>
+          </p:txBody>
+        </p:sp>
+        <p:sp>
+          <p:nvSpPr>
+            <p:cNvPr id="6" name="Ellipse 5">
+              <a:extLst>
+                <a:ext uri="{FF2B5EF4-FFF2-40B4-BE49-F238E27FC236}">
+                  <a16:creationId xmlns:a16="http://schemas.microsoft.com/office/drawing/2014/main" id="{37A65525-EBE5-44B1-A2C3-060198E87FB0}"/>
+                </a:ext>
+              </a:extLst>
+            </p:cNvPr>
+            <p:cNvSpPr/>
+            <p:nvPr/>
+          </p:nvSpPr>
+          <p:spPr>
+            <a:xfrm>
+              <a:off x="1703189" y="2361008"/>
+              <a:ext cx="1487091" cy="1487091"/>
+            </a:xfrm>
+            <a:prstGeom prst="ellipse">
+              <a:avLst/>
+            </a:prstGeom>
+            <a:solidFill>
+              <a:schemeClr val="bg1"/>
+            </a:solidFill>
+            <a:ln>
+              <a:noFill/>
+            </a:ln>
+          </p:spPr>
+          <p:style>
+            <a:lnRef idx="2">
+              <a:schemeClr val="accent1">
+                <a:shade val="50000"/>
+              </a:schemeClr>
+            </a:lnRef>
+            <a:fillRef idx="1">
+              <a:schemeClr val="accent1"/>
+            </a:fillRef>
+            <a:effectRef idx="0">
+              <a:schemeClr val="accent1"/>
+            </a:effectRef>
+            <a:fontRef idx="minor">
+              <a:schemeClr val="lt1"/>
+            </a:fontRef>
+          </p:style>
+          <p:txBody>
+            <a:bodyPr rtlCol="0" anchor="ctr"/>
+            <a:lstStyle/>
+            <a:p>
+              <a:pPr algn="ctr"/>
+              <a:endParaRPr lang="fr-FR" sz="1600" dirty="0">
+                <a:solidFill>
+                  <a:srgbClr val="551913"/>
+                </a:solidFill>
+              </a:endParaRPr>
+            </a:p>
+          </p:txBody>
+        </p:sp>
+      </p:grpSp>
       <p:sp>
         <p:nvSpPr>
           <p:cNvPr id="2" name="Titre 1">
@@ -5005,12 +6508,1114 @@
             <p:ph idx="1"/>
           </p:nvPr>
         </p:nvSpPr>
-        <p:spPr/>
-        <p:txBody>
-          <a:bodyPr/>
+        <p:spPr>
+          <a:xfrm>
+            <a:off x="1413272" y="3934437"/>
+            <a:ext cx="2057399" cy="1905182"/>
+          </a:xfrm>
+        </p:spPr>
+        <p:txBody>
+          <a:bodyPr anchor="ctr" anchorCtr="0">
+            <a:normAutofit/>
+          </a:bodyPr>
           <a:lstStyle/>
           <a:p>
-            <a:endParaRPr lang="fr-FR"/>
+            <a:pPr marL="0" indent="0" algn="ctr">
+              <a:buNone/>
+            </a:pPr>
+            <a:r>
+              <a:rPr lang="fr-FR" sz="2400" dirty="0"/>
+              <a:t>Graphismes</a:t>
+            </a:r>
+          </a:p>
+          <a:p>
+            <a:pPr marL="0" indent="0" algn="ctr">
+              <a:buNone/>
+            </a:pPr>
+            <a:r>
+              <a:rPr lang="fr-FR" sz="2400" dirty="0"/>
+              <a:t>Réseau</a:t>
+            </a:r>
+          </a:p>
+        </p:txBody>
+      </p:sp>
+      <p:sp>
+        <p:nvSpPr>
+          <p:cNvPr id="9" name="Espace réservé du contenu 2">
+            <a:extLst>
+              <a:ext uri="{FF2B5EF4-FFF2-40B4-BE49-F238E27FC236}">
+                <a16:creationId xmlns:a16="http://schemas.microsoft.com/office/drawing/2014/main" id="{035B63A7-A485-4EB4-9D66-26D9BC1421A8}"/>
+              </a:ext>
+            </a:extLst>
+          </p:cNvPr>
+          <p:cNvSpPr txBox="1">
+            <a:spLocks/>
+          </p:cNvSpPr>
+          <p:nvPr/>
+        </p:nvSpPr>
+        <p:spPr>
+          <a:xfrm>
+            <a:off x="6663930" y="3848099"/>
+            <a:ext cx="2057399" cy="1905182"/>
+          </a:xfrm>
+          <a:prstGeom prst="rect">
+            <a:avLst/>
+          </a:prstGeom>
+        </p:spPr>
+        <p:txBody>
+          <a:bodyPr vert="horz" lIns="91440" tIns="45720" rIns="91440" bIns="45720" rtlCol="0">
+            <a:normAutofit/>
+          </a:bodyPr>
+          <a:lstStyle>
+            <a:lvl1pPr marL="228600" indent="-228600" algn="l" defTabSz="914400" rtl="0" eaLnBrk="1" latinLnBrk="0" hangingPunct="1">
+              <a:lnSpc>
+                <a:spcPct val="90000"/>
+              </a:lnSpc>
+              <a:spcBef>
+                <a:spcPts val="1000"/>
+              </a:spcBef>
+              <a:buFont typeface="Arial" panose="020B0604020202020204" pitchFamily="34" charset="0"/>
+              <a:buChar char="•"/>
+              <a:defRPr sz="2800" kern="1200">
+                <a:solidFill>
+                  <a:srgbClr val="551913"/>
+                </a:solidFill>
+                <a:latin typeface="Montserrat ExtraLight" panose="00000300000000000000" pitchFamily="2" charset="0"/>
+                <a:ea typeface="+mn-ea"/>
+                <a:cs typeface="+mn-cs"/>
+              </a:defRPr>
+            </a:lvl1pPr>
+            <a:lvl2pPr marL="685800" indent="-228600" algn="l" defTabSz="914400" rtl="0" eaLnBrk="1" latinLnBrk="0" hangingPunct="1">
+              <a:lnSpc>
+                <a:spcPct val="90000"/>
+              </a:lnSpc>
+              <a:spcBef>
+                <a:spcPts val="500"/>
+              </a:spcBef>
+              <a:buFont typeface="Arial" panose="020B0604020202020204" pitchFamily="34" charset="0"/>
+              <a:buChar char="•"/>
+              <a:defRPr sz="2400" kern="1200">
+                <a:solidFill>
+                  <a:srgbClr val="551913"/>
+                </a:solidFill>
+                <a:latin typeface="Montserrat ExtraLight" panose="00000300000000000000" pitchFamily="2" charset="0"/>
+                <a:ea typeface="+mn-ea"/>
+                <a:cs typeface="+mn-cs"/>
+              </a:defRPr>
+            </a:lvl2pPr>
+            <a:lvl3pPr marL="1143000" indent="-228600" algn="l" defTabSz="914400" rtl="0" eaLnBrk="1" latinLnBrk="0" hangingPunct="1">
+              <a:lnSpc>
+                <a:spcPct val="90000"/>
+              </a:lnSpc>
+              <a:spcBef>
+                <a:spcPts val="500"/>
+              </a:spcBef>
+              <a:buFont typeface="Arial" panose="020B0604020202020204" pitchFamily="34" charset="0"/>
+              <a:buChar char="•"/>
+              <a:defRPr sz="2000" kern="1200">
+                <a:solidFill>
+                  <a:srgbClr val="551913"/>
+                </a:solidFill>
+                <a:latin typeface="Montserrat ExtraLight" panose="00000300000000000000" pitchFamily="2" charset="0"/>
+                <a:ea typeface="+mn-ea"/>
+                <a:cs typeface="+mn-cs"/>
+              </a:defRPr>
+            </a:lvl3pPr>
+            <a:lvl4pPr marL="1600200" indent="-228600" algn="l" defTabSz="914400" rtl="0" eaLnBrk="1" latinLnBrk="0" hangingPunct="1">
+              <a:lnSpc>
+                <a:spcPct val="90000"/>
+              </a:lnSpc>
+              <a:spcBef>
+                <a:spcPts val="500"/>
+              </a:spcBef>
+              <a:buFont typeface="Arial" panose="020B0604020202020204" pitchFamily="34" charset="0"/>
+              <a:buChar char="•"/>
+              <a:defRPr sz="1800" kern="1200">
+                <a:solidFill>
+                  <a:srgbClr val="551913"/>
+                </a:solidFill>
+                <a:latin typeface="Montserrat ExtraLight" panose="00000300000000000000" pitchFamily="2" charset="0"/>
+                <a:ea typeface="+mn-ea"/>
+                <a:cs typeface="+mn-cs"/>
+              </a:defRPr>
+            </a:lvl4pPr>
+            <a:lvl5pPr marL="2057400" indent="-228600" algn="l" defTabSz="914400" rtl="0" eaLnBrk="1" latinLnBrk="0" hangingPunct="1">
+              <a:lnSpc>
+                <a:spcPct val="90000"/>
+              </a:lnSpc>
+              <a:spcBef>
+                <a:spcPts val="500"/>
+              </a:spcBef>
+              <a:buFont typeface="Arial" panose="020B0604020202020204" pitchFamily="34" charset="0"/>
+              <a:buChar char="•"/>
+              <a:defRPr sz="1800" kern="1200">
+                <a:solidFill>
+                  <a:srgbClr val="551913"/>
+                </a:solidFill>
+                <a:latin typeface="Montserrat ExtraLight" panose="00000300000000000000" pitchFamily="2" charset="0"/>
+                <a:ea typeface="+mn-ea"/>
+                <a:cs typeface="+mn-cs"/>
+              </a:defRPr>
+            </a:lvl5pPr>
+            <a:lvl6pPr marL="2514600" indent="-228600" algn="l" defTabSz="914400" rtl="0" eaLnBrk="1" latinLnBrk="0" hangingPunct="1">
+              <a:lnSpc>
+                <a:spcPct val="90000"/>
+              </a:lnSpc>
+              <a:spcBef>
+                <a:spcPts val="500"/>
+              </a:spcBef>
+              <a:buFont typeface="Arial" panose="020B0604020202020204" pitchFamily="34" charset="0"/>
+              <a:buChar char="•"/>
+              <a:defRPr sz="1800" kern="1200">
+                <a:solidFill>
+                  <a:schemeClr val="tx1"/>
+                </a:solidFill>
+                <a:latin typeface="+mn-lt"/>
+                <a:ea typeface="+mn-ea"/>
+                <a:cs typeface="+mn-cs"/>
+              </a:defRPr>
+            </a:lvl6pPr>
+            <a:lvl7pPr marL="2971800" indent="-228600" algn="l" defTabSz="914400" rtl="0" eaLnBrk="1" latinLnBrk="0" hangingPunct="1">
+              <a:lnSpc>
+                <a:spcPct val="90000"/>
+              </a:lnSpc>
+              <a:spcBef>
+                <a:spcPts val="500"/>
+              </a:spcBef>
+              <a:buFont typeface="Arial" panose="020B0604020202020204" pitchFamily="34" charset="0"/>
+              <a:buChar char="•"/>
+              <a:defRPr sz="1800" kern="1200">
+                <a:solidFill>
+                  <a:schemeClr val="tx1"/>
+                </a:solidFill>
+                <a:latin typeface="+mn-lt"/>
+                <a:ea typeface="+mn-ea"/>
+                <a:cs typeface="+mn-cs"/>
+              </a:defRPr>
+            </a:lvl7pPr>
+            <a:lvl8pPr marL="3429000" indent="-228600" algn="l" defTabSz="914400" rtl="0" eaLnBrk="1" latinLnBrk="0" hangingPunct="1">
+              <a:lnSpc>
+                <a:spcPct val="90000"/>
+              </a:lnSpc>
+              <a:spcBef>
+                <a:spcPts val="500"/>
+              </a:spcBef>
+              <a:buFont typeface="Arial" panose="020B0604020202020204" pitchFamily="34" charset="0"/>
+              <a:buChar char="•"/>
+              <a:defRPr sz="1800" kern="1200">
+                <a:solidFill>
+                  <a:schemeClr val="tx1"/>
+                </a:solidFill>
+                <a:latin typeface="+mn-lt"/>
+                <a:ea typeface="+mn-ea"/>
+                <a:cs typeface="+mn-cs"/>
+              </a:defRPr>
+            </a:lvl8pPr>
+            <a:lvl9pPr marL="3886200" indent="-228600" algn="l" defTabSz="914400" rtl="0" eaLnBrk="1" latinLnBrk="0" hangingPunct="1">
+              <a:lnSpc>
+                <a:spcPct val="90000"/>
+              </a:lnSpc>
+              <a:spcBef>
+                <a:spcPts val="500"/>
+              </a:spcBef>
+              <a:buFont typeface="Arial" panose="020B0604020202020204" pitchFamily="34" charset="0"/>
+              <a:buChar char="•"/>
+              <a:defRPr sz="1800" kern="1200">
+                <a:solidFill>
+                  <a:schemeClr val="tx1"/>
+                </a:solidFill>
+                <a:latin typeface="+mn-lt"/>
+                <a:ea typeface="+mn-ea"/>
+                <a:cs typeface="+mn-cs"/>
+              </a:defRPr>
+            </a:lvl9pPr>
+          </a:lstStyle>
+          <a:p>
+            <a:pPr marL="0" indent="0">
+              <a:buFont typeface="Arial" panose="020B0604020202020204" pitchFamily="34" charset="0"/>
+              <a:buNone/>
+            </a:pPr>
+            <a:endParaRPr lang="fr-FR" dirty="0"/>
+          </a:p>
+        </p:txBody>
+      </p:sp>
+      <p:grpSp>
+        <p:nvGrpSpPr>
+          <p:cNvPr id="10" name="Groupe 9">
+            <a:extLst>
+              <a:ext uri="{FF2B5EF4-FFF2-40B4-BE49-F238E27FC236}">
+                <a16:creationId xmlns:a16="http://schemas.microsoft.com/office/drawing/2014/main" id="{3C9EF26F-E350-4403-98C7-5665F32757A4}"/>
+              </a:ext>
+            </a:extLst>
+          </p:cNvPr>
+          <p:cNvGrpSpPr/>
+          <p:nvPr/>
+        </p:nvGrpSpPr>
+        <p:grpSpPr>
+          <a:xfrm>
+            <a:off x="5067300" y="2067537"/>
+            <a:ext cx="2057400" cy="3733800"/>
+            <a:chOff x="1413273" y="2105819"/>
+            <a:chExt cx="2057400" cy="3733800"/>
+          </a:xfrm>
+        </p:grpSpPr>
+        <p:sp>
+          <p:nvSpPr>
+            <p:cNvPr id="11" name="Rectangle 10">
+              <a:extLst>
+                <a:ext uri="{FF2B5EF4-FFF2-40B4-BE49-F238E27FC236}">
+                  <a16:creationId xmlns:a16="http://schemas.microsoft.com/office/drawing/2014/main" id="{6C13A367-D1E3-48D1-BDE3-D45FD5DDC0A8}"/>
+                </a:ext>
+              </a:extLst>
+            </p:cNvPr>
+            <p:cNvSpPr/>
+            <p:nvPr/>
+          </p:nvSpPr>
+          <p:spPr>
+            <a:xfrm>
+              <a:off x="1413273" y="2105819"/>
+              <a:ext cx="2057400" cy="3733800"/>
+            </a:xfrm>
+            <a:prstGeom prst="rect">
+              <a:avLst/>
+            </a:prstGeom>
+            <a:solidFill>
+              <a:srgbClr val="EA6153"/>
+            </a:solidFill>
+            <a:ln>
+              <a:solidFill>
+                <a:srgbClr val="E74C3C"/>
+              </a:solidFill>
+            </a:ln>
+          </p:spPr>
+          <p:style>
+            <a:lnRef idx="2">
+              <a:schemeClr val="accent1">
+                <a:shade val="50000"/>
+              </a:schemeClr>
+            </a:lnRef>
+            <a:fillRef idx="1">
+              <a:schemeClr val="accent1"/>
+            </a:fillRef>
+            <a:effectRef idx="0">
+              <a:schemeClr val="accent1"/>
+            </a:effectRef>
+            <a:fontRef idx="minor">
+              <a:schemeClr val="lt1"/>
+            </a:fontRef>
+          </p:style>
+          <p:txBody>
+            <a:bodyPr rtlCol="0" anchor="ctr"/>
+            <a:lstStyle/>
+            <a:p>
+              <a:pPr algn="ctr"/>
+              <a:endParaRPr lang="fr-FR" dirty="0"/>
+            </a:p>
+          </p:txBody>
+        </p:sp>
+        <p:sp>
+          <p:nvSpPr>
+            <p:cNvPr id="12" name="Ellipse 11">
+              <a:extLst>
+                <a:ext uri="{FF2B5EF4-FFF2-40B4-BE49-F238E27FC236}">
+                  <a16:creationId xmlns:a16="http://schemas.microsoft.com/office/drawing/2014/main" id="{5F3B75E5-7D8F-4259-A6E1-EA29C6412D2B}"/>
+                </a:ext>
+              </a:extLst>
+            </p:cNvPr>
+            <p:cNvSpPr/>
+            <p:nvPr/>
+          </p:nvSpPr>
+          <p:spPr>
+            <a:xfrm>
+              <a:off x="1703189" y="2361008"/>
+              <a:ext cx="1487091" cy="1487091"/>
+            </a:xfrm>
+            <a:prstGeom prst="ellipse">
+              <a:avLst/>
+            </a:prstGeom>
+            <a:solidFill>
+              <a:schemeClr val="bg1"/>
+            </a:solidFill>
+            <a:ln>
+              <a:noFill/>
+            </a:ln>
+          </p:spPr>
+          <p:style>
+            <a:lnRef idx="2">
+              <a:schemeClr val="accent1">
+                <a:shade val="50000"/>
+              </a:schemeClr>
+            </a:lnRef>
+            <a:fillRef idx="1">
+              <a:schemeClr val="accent1"/>
+            </a:fillRef>
+            <a:effectRef idx="0">
+              <a:schemeClr val="accent1"/>
+            </a:effectRef>
+            <a:fontRef idx="minor">
+              <a:schemeClr val="lt1"/>
+            </a:fontRef>
+          </p:style>
+          <p:txBody>
+            <a:bodyPr rtlCol="0" anchor="ctr"/>
+            <a:lstStyle/>
+            <a:p>
+              <a:pPr algn="ctr"/>
+              <a:endParaRPr lang="fr-FR" sz="1600" dirty="0">
+                <a:solidFill>
+                  <a:srgbClr val="551913"/>
+                </a:solidFill>
+              </a:endParaRPr>
+            </a:p>
+          </p:txBody>
+        </p:sp>
+      </p:grpSp>
+      <p:grpSp>
+        <p:nvGrpSpPr>
+          <p:cNvPr id="13" name="Groupe 12">
+            <a:extLst>
+              <a:ext uri="{FF2B5EF4-FFF2-40B4-BE49-F238E27FC236}">
+                <a16:creationId xmlns:a16="http://schemas.microsoft.com/office/drawing/2014/main" id="{F98B2332-1226-458C-85EE-E7B421A8E4B2}"/>
+              </a:ext>
+            </a:extLst>
+          </p:cNvPr>
+          <p:cNvGrpSpPr/>
+          <p:nvPr/>
+        </p:nvGrpSpPr>
+        <p:grpSpPr>
+          <a:xfrm>
+            <a:off x="8721329" y="2067537"/>
+            <a:ext cx="2057400" cy="3733800"/>
+            <a:chOff x="1413273" y="2105819"/>
+            <a:chExt cx="2057400" cy="3733800"/>
+          </a:xfrm>
+        </p:grpSpPr>
+        <p:sp>
+          <p:nvSpPr>
+            <p:cNvPr id="14" name="Rectangle 13">
+              <a:extLst>
+                <a:ext uri="{FF2B5EF4-FFF2-40B4-BE49-F238E27FC236}">
+                  <a16:creationId xmlns:a16="http://schemas.microsoft.com/office/drawing/2014/main" id="{D2940C65-A3C1-425B-A4DE-2DF42D61FD4B}"/>
+                </a:ext>
+              </a:extLst>
+            </p:cNvPr>
+            <p:cNvSpPr/>
+            <p:nvPr/>
+          </p:nvSpPr>
+          <p:spPr>
+            <a:xfrm>
+              <a:off x="1413273" y="2105819"/>
+              <a:ext cx="2057400" cy="3733800"/>
+            </a:xfrm>
+            <a:prstGeom prst="rect">
+              <a:avLst/>
+            </a:prstGeom>
+            <a:solidFill>
+              <a:srgbClr val="E74C3C"/>
+            </a:solidFill>
+            <a:ln>
+              <a:solidFill>
+                <a:srgbClr val="E74C3C"/>
+              </a:solidFill>
+            </a:ln>
+          </p:spPr>
+          <p:style>
+            <a:lnRef idx="2">
+              <a:schemeClr val="accent1">
+                <a:shade val="50000"/>
+              </a:schemeClr>
+            </a:lnRef>
+            <a:fillRef idx="1">
+              <a:schemeClr val="accent1"/>
+            </a:fillRef>
+            <a:effectRef idx="0">
+              <a:schemeClr val="accent1"/>
+            </a:effectRef>
+            <a:fontRef idx="minor">
+              <a:schemeClr val="lt1"/>
+            </a:fontRef>
+          </p:style>
+          <p:txBody>
+            <a:bodyPr rtlCol="0" anchor="ctr"/>
+            <a:lstStyle/>
+            <a:p>
+              <a:pPr algn="ctr"/>
+              <a:endParaRPr lang="fr-FR" dirty="0"/>
+            </a:p>
+          </p:txBody>
+        </p:sp>
+        <p:sp>
+          <p:nvSpPr>
+            <p:cNvPr id="15" name="Ellipse 14">
+              <a:extLst>
+                <a:ext uri="{FF2B5EF4-FFF2-40B4-BE49-F238E27FC236}">
+                  <a16:creationId xmlns:a16="http://schemas.microsoft.com/office/drawing/2014/main" id="{0A6530B3-79F8-423F-8ED8-4429F2A71E41}"/>
+                </a:ext>
+              </a:extLst>
+            </p:cNvPr>
+            <p:cNvSpPr/>
+            <p:nvPr/>
+          </p:nvSpPr>
+          <p:spPr>
+            <a:xfrm>
+              <a:off x="1703189" y="2361008"/>
+              <a:ext cx="1487091" cy="1487091"/>
+            </a:xfrm>
+            <a:prstGeom prst="ellipse">
+              <a:avLst/>
+            </a:prstGeom>
+            <a:solidFill>
+              <a:schemeClr val="bg1"/>
+            </a:solidFill>
+            <a:ln>
+              <a:noFill/>
+            </a:ln>
+          </p:spPr>
+          <p:style>
+            <a:lnRef idx="2">
+              <a:schemeClr val="accent1">
+                <a:shade val="50000"/>
+              </a:schemeClr>
+            </a:lnRef>
+            <a:fillRef idx="1">
+              <a:schemeClr val="accent1"/>
+            </a:fillRef>
+            <a:effectRef idx="0">
+              <a:schemeClr val="accent1"/>
+            </a:effectRef>
+            <a:fontRef idx="minor">
+              <a:schemeClr val="lt1"/>
+            </a:fontRef>
+          </p:style>
+          <p:txBody>
+            <a:bodyPr rtlCol="0" anchor="ctr"/>
+            <a:lstStyle/>
+            <a:p>
+              <a:pPr algn="ctr"/>
+              <a:endParaRPr lang="fr-FR" sz="1600" dirty="0">
+                <a:solidFill>
+                  <a:srgbClr val="551913"/>
+                </a:solidFill>
+              </a:endParaRPr>
+            </a:p>
+          </p:txBody>
+        </p:sp>
+      </p:grpSp>
+      <p:sp>
+        <p:nvSpPr>
+          <p:cNvPr id="16" name="Espace réservé du contenu 2">
+            <a:extLst>
+              <a:ext uri="{FF2B5EF4-FFF2-40B4-BE49-F238E27FC236}">
+                <a16:creationId xmlns:a16="http://schemas.microsoft.com/office/drawing/2014/main" id="{D2933A6A-AD80-42A3-A105-A4B08C5A534C}"/>
+              </a:ext>
+            </a:extLst>
+          </p:cNvPr>
+          <p:cNvSpPr txBox="1">
+            <a:spLocks/>
+          </p:cNvSpPr>
+          <p:nvPr/>
+        </p:nvSpPr>
+        <p:spPr>
+          <a:xfrm>
+            <a:off x="1413270" y="2151962"/>
+            <a:ext cx="2057399" cy="1905182"/>
+          </a:xfrm>
+          <a:prstGeom prst="rect">
+            <a:avLst/>
+          </a:prstGeom>
+        </p:spPr>
+        <p:txBody>
+          <a:bodyPr vert="horz" lIns="91440" tIns="45720" rIns="91440" bIns="45720" rtlCol="0" anchor="ctr" anchorCtr="0">
+            <a:normAutofit/>
+          </a:bodyPr>
+          <a:lstStyle>
+            <a:lvl1pPr marL="228600" indent="-228600" algn="l" defTabSz="914400" rtl="0" eaLnBrk="1" latinLnBrk="0" hangingPunct="1">
+              <a:lnSpc>
+                <a:spcPct val="90000"/>
+              </a:lnSpc>
+              <a:spcBef>
+                <a:spcPts val="1000"/>
+              </a:spcBef>
+              <a:buFont typeface="Arial" panose="020B0604020202020204" pitchFamily="34" charset="0"/>
+              <a:buChar char="•"/>
+              <a:defRPr sz="2800" kern="1200">
+                <a:solidFill>
+                  <a:srgbClr val="551913"/>
+                </a:solidFill>
+                <a:latin typeface="Montserrat ExtraLight" panose="00000300000000000000" pitchFamily="2" charset="0"/>
+                <a:ea typeface="+mn-ea"/>
+                <a:cs typeface="+mn-cs"/>
+              </a:defRPr>
+            </a:lvl1pPr>
+            <a:lvl2pPr marL="685800" indent="-228600" algn="l" defTabSz="914400" rtl="0" eaLnBrk="1" latinLnBrk="0" hangingPunct="1">
+              <a:lnSpc>
+                <a:spcPct val="90000"/>
+              </a:lnSpc>
+              <a:spcBef>
+                <a:spcPts val="500"/>
+              </a:spcBef>
+              <a:buFont typeface="Arial" panose="020B0604020202020204" pitchFamily="34" charset="0"/>
+              <a:buChar char="•"/>
+              <a:defRPr sz="2400" kern="1200">
+                <a:solidFill>
+                  <a:srgbClr val="551913"/>
+                </a:solidFill>
+                <a:latin typeface="Montserrat ExtraLight" panose="00000300000000000000" pitchFamily="2" charset="0"/>
+                <a:ea typeface="+mn-ea"/>
+                <a:cs typeface="+mn-cs"/>
+              </a:defRPr>
+            </a:lvl2pPr>
+            <a:lvl3pPr marL="1143000" indent="-228600" algn="l" defTabSz="914400" rtl="0" eaLnBrk="1" latinLnBrk="0" hangingPunct="1">
+              <a:lnSpc>
+                <a:spcPct val="90000"/>
+              </a:lnSpc>
+              <a:spcBef>
+                <a:spcPts val="500"/>
+              </a:spcBef>
+              <a:buFont typeface="Arial" panose="020B0604020202020204" pitchFamily="34" charset="0"/>
+              <a:buChar char="•"/>
+              <a:defRPr sz="2000" kern="1200">
+                <a:solidFill>
+                  <a:srgbClr val="551913"/>
+                </a:solidFill>
+                <a:latin typeface="Montserrat ExtraLight" panose="00000300000000000000" pitchFamily="2" charset="0"/>
+                <a:ea typeface="+mn-ea"/>
+                <a:cs typeface="+mn-cs"/>
+              </a:defRPr>
+            </a:lvl3pPr>
+            <a:lvl4pPr marL="1600200" indent="-228600" algn="l" defTabSz="914400" rtl="0" eaLnBrk="1" latinLnBrk="0" hangingPunct="1">
+              <a:lnSpc>
+                <a:spcPct val="90000"/>
+              </a:lnSpc>
+              <a:spcBef>
+                <a:spcPts val="500"/>
+              </a:spcBef>
+              <a:buFont typeface="Arial" panose="020B0604020202020204" pitchFamily="34" charset="0"/>
+              <a:buChar char="•"/>
+              <a:defRPr sz="1800" kern="1200">
+                <a:solidFill>
+                  <a:srgbClr val="551913"/>
+                </a:solidFill>
+                <a:latin typeface="Montserrat ExtraLight" panose="00000300000000000000" pitchFamily="2" charset="0"/>
+                <a:ea typeface="+mn-ea"/>
+                <a:cs typeface="+mn-cs"/>
+              </a:defRPr>
+            </a:lvl4pPr>
+            <a:lvl5pPr marL="2057400" indent="-228600" algn="l" defTabSz="914400" rtl="0" eaLnBrk="1" latinLnBrk="0" hangingPunct="1">
+              <a:lnSpc>
+                <a:spcPct val="90000"/>
+              </a:lnSpc>
+              <a:spcBef>
+                <a:spcPts val="500"/>
+              </a:spcBef>
+              <a:buFont typeface="Arial" panose="020B0604020202020204" pitchFamily="34" charset="0"/>
+              <a:buChar char="•"/>
+              <a:defRPr sz="1800" kern="1200">
+                <a:solidFill>
+                  <a:srgbClr val="551913"/>
+                </a:solidFill>
+                <a:latin typeface="Montserrat ExtraLight" panose="00000300000000000000" pitchFamily="2" charset="0"/>
+                <a:ea typeface="+mn-ea"/>
+                <a:cs typeface="+mn-cs"/>
+              </a:defRPr>
+            </a:lvl5pPr>
+            <a:lvl6pPr marL="2514600" indent="-228600" algn="l" defTabSz="914400" rtl="0" eaLnBrk="1" latinLnBrk="0" hangingPunct="1">
+              <a:lnSpc>
+                <a:spcPct val="90000"/>
+              </a:lnSpc>
+              <a:spcBef>
+                <a:spcPts val="500"/>
+              </a:spcBef>
+              <a:buFont typeface="Arial" panose="020B0604020202020204" pitchFamily="34" charset="0"/>
+              <a:buChar char="•"/>
+              <a:defRPr sz="1800" kern="1200">
+                <a:solidFill>
+                  <a:schemeClr val="tx1"/>
+                </a:solidFill>
+                <a:latin typeface="+mn-lt"/>
+                <a:ea typeface="+mn-ea"/>
+                <a:cs typeface="+mn-cs"/>
+              </a:defRPr>
+            </a:lvl6pPr>
+            <a:lvl7pPr marL="2971800" indent="-228600" algn="l" defTabSz="914400" rtl="0" eaLnBrk="1" latinLnBrk="0" hangingPunct="1">
+              <a:lnSpc>
+                <a:spcPct val="90000"/>
+              </a:lnSpc>
+              <a:spcBef>
+                <a:spcPts val="500"/>
+              </a:spcBef>
+              <a:buFont typeface="Arial" panose="020B0604020202020204" pitchFamily="34" charset="0"/>
+              <a:buChar char="•"/>
+              <a:defRPr sz="1800" kern="1200">
+                <a:solidFill>
+                  <a:schemeClr val="tx1"/>
+                </a:solidFill>
+                <a:latin typeface="+mn-lt"/>
+                <a:ea typeface="+mn-ea"/>
+                <a:cs typeface="+mn-cs"/>
+              </a:defRPr>
+            </a:lvl7pPr>
+            <a:lvl8pPr marL="3429000" indent="-228600" algn="l" defTabSz="914400" rtl="0" eaLnBrk="1" latinLnBrk="0" hangingPunct="1">
+              <a:lnSpc>
+                <a:spcPct val="90000"/>
+              </a:lnSpc>
+              <a:spcBef>
+                <a:spcPts val="500"/>
+              </a:spcBef>
+              <a:buFont typeface="Arial" panose="020B0604020202020204" pitchFamily="34" charset="0"/>
+              <a:buChar char="•"/>
+              <a:defRPr sz="1800" kern="1200">
+                <a:solidFill>
+                  <a:schemeClr val="tx1"/>
+                </a:solidFill>
+                <a:latin typeface="+mn-lt"/>
+                <a:ea typeface="+mn-ea"/>
+                <a:cs typeface="+mn-cs"/>
+              </a:defRPr>
+            </a:lvl8pPr>
+            <a:lvl9pPr marL="3886200" indent="-228600" algn="l" defTabSz="914400" rtl="0" eaLnBrk="1" latinLnBrk="0" hangingPunct="1">
+              <a:lnSpc>
+                <a:spcPct val="90000"/>
+              </a:lnSpc>
+              <a:spcBef>
+                <a:spcPts val="500"/>
+              </a:spcBef>
+              <a:buFont typeface="Arial" panose="020B0604020202020204" pitchFamily="34" charset="0"/>
+              <a:buChar char="•"/>
+              <a:defRPr sz="1800" kern="1200">
+                <a:solidFill>
+                  <a:schemeClr val="tx1"/>
+                </a:solidFill>
+                <a:latin typeface="+mn-lt"/>
+                <a:ea typeface="+mn-ea"/>
+                <a:cs typeface="+mn-cs"/>
+              </a:defRPr>
+            </a:lvl9pPr>
+          </a:lstStyle>
+          <a:p>
+            <a:pPr marL="0" indent="0" algn="ctr">
+              <a:buFont typeface="Arial" panose="020B0604020202020204" pitchFamily="34" charset="0"/>
+              <a:buNone/>
+            </a:pPr>
+            <a:r>
+              <a:rPr lang="fr-FR" sz="2400" dirty="0">
+                <a:latin typeface="Montserrat SemiBold" panose="00000700000000000000" pitchFamily="2" charset="0"/>
+              </a:rPr>
+              <a:t>Gauthier</a:t>
+            </a:r>
+          </a:p>
+        </p:txBody>
+      </p:sp>
+      <p:sp>
+        <p:nvSpPr>
+          <p:cNvPr id="17" name="Espace réservé du contenu 2">
+            <a:extLst>
+              <a:ext uri="{FF2B5EF4-FFF2-40B4-BE49-F238E27FC236}">
+                <a16:creationId xmlns:a16="http://schemas.microsoft.com/office/drawing/2014/main" id="{4CC2CA4A-23B7-44F5-A855-2318E968AC6F}"/>
+              </a:ext>
+            </a:extLst>
+          </p:cNvPr>
+          <p:cNvSpPr txBox="1">
+            <a:spLocks/>
+          </p:cNvSpPr>
+          <p:nvPr/>
+        </p:nvSpPr>
+        <p:spPr>
+          <a:xfrm>
+            <a:off x="5067296" y="2151962"/>
+            <a:ext cx="2057399" cy="1905182"/>
+          </a:xfrm>
+          <a:prstGeom prst="rect">
+            <a:avLst/>
+          </a:prstGeom>
+        </p:spPr>
+        <p:txBody>
+          <a:bodyPr vert="horz" lIns="91440" tIns="45720" rIns="91440" bIns="45720" rtlCol="0" anchor="ctr" anchorCtr="0">
+            <a:normAutofit/>
+          </a:bodyPr>
+          <a:lstStyle>
+            <a:lvl1pPr marL="228600" indent="-228600" algn="l" defTabSz="914400" rtl="0" eaLnBrk="1" latinLnBrk="0" hangingPunct="1">
+              <a:lnSpc>
+                <a:spcPct val="90000"/>
+              </a:lnSpc>
+              <a:spcBef>
+                <a:spcPts val="1000"/>
+              </a:spcBef>
+              <a:buFont typeface="Arial" panose="020B0604020202020204" pitchFamily="34" charset="0"/>
+              <a:buChar char="•"/>
+              <a:defRPr sz="2800" kern="1200">
+                <a:solidFill>
+                  <a:srgbClr val="551913"/>
+                </a:solidFill>
+                <a:latin typeface="Montserrat ExtraLight" panose="00000300000000000000" pitchFamily="2" charset="0"/>
+                <a:ea typeface="+mn-ea"/>
+                <a:cs typeface="+mn-cs"/>
+              </a:defRPr>
+            </a:lvl1pPr>
+            <a:lvl2pPr marL="685800" indent="-228600" algn="l" defTabSz="914400" rtl="0" eaLnBrk="1" latinLnBrk="0" hangingPunct="1">
+              <a:lnSpc>
+                <a:spcPct val="90000"/>
+              </a:lnSpc>
+              <a:spcBef>
+                <a:spcPts val="500"/>
+              </a:spcBef>
+              <a:buFont typeface="Arial" panose="020B0604020202020204" pitchFamily="34" charset="0"/>
+              <a:buChar char="•"/>
+              <a:defRPr sz="2400" kern="1200">
+                <a:solidFill>
+                  <a:srgbClr val="551913"/>
+                </a:solidFill>
+                <a:latin typeface="Montserrat ExtraLight" panose="00000300000000000000" pitchFamily="2" charset="0"/>
+                <a:ea typeface="+mn-ea"/>
+                <a:cs typeface="+mn-cs"/>
+              </a:defRPr>
+            </a:lvl2pPr>
+            <a:lvl3pPr marL="1143000" indent="-228600" algn="l" defTabSz="914400" rtl="0" eaLnBrk="1" latinLnBrk="0" hangingPunct="1">
+              <a:lnSpc>
+                <a:spcPct val="90000"/>
+              </a:lnSpc>
+              <a:spcBef>
+                <a:spcPts val="500"/>
+              </a:spcBef>
+              <a:buFont typeface="Arial" panose="020B0604020202020204" pitchFamily="34" charset="0"/>
+              <a:buChar char="•"/>
+              <a:defRPr sz="2000" kern="1200">
+                <a:solidFill>
+                  <a:srgbClr val="551913"/>
+                </a:solidFill>
+                <a:latin typeface="Montserrat ExtraLight" panose="00000300000000000000" pitchFamily="2" charset="0"/>
+                <a:ea typeface="+mn-ea"/>
+                <a:cs typeface="+mn-cs"/>
+              </a:defRPr>
+            </a:lvl3pPr>
+            <a:lvl4pPr marL="1600200" indent="-228600" algn="l" defTabSz="914400" rtl="0" eaLnBrk="1" latinLnBrk="0" hangingPunct="1">
+              <a:lnSpc>
+                <a:spcPct val="90000"/>
+              </a:lnSpc>
+              <a:spcBef>
+                <a:spcPts val="500"/>
+              </a:spcBef>
+              <a:buFont typeface="Arial" panose="020B0604020202020204" pitchFamily="34" charset="0"/>
+              <a:buChar char="•"/>
+              <a:defRPr sz="1800" kern="1200">
+                <a:solidFill>
+                  <a:srgbClr val="551913"/>
+                </a:solidFill>
+                <a:latin typeface="Montserrat ExtraLight" panose="00000300000000000000" pitchFamily="2" charset="0"/>
+                <a:ea typeface="+mn-ea"/>
+                <a:cs typeface="+mn-cs"/>
+              </a:defRPr>
+            </a:lvl4pPr>
+            <a:lvl5pPr marL="2057400" indent="-228600" algn="l" defTabSz="914400" rtl="0" eaLnBrk="1" latinLnBrk="0" hangingPunct="1">
+              <a:lnSpc>
+                <a:spcPct val="90000"/>
+              </a:lnSpc>
+              <a:spcBef>
+                <a:spcPts val="500"/>
+              </a:spcBef>
+              <a:buFont typeface="Arial" panose="020B0604020202020204" pitchFamily="34" charset="0"/>
+              <a:buChar char="•"/>
+              <a:defRPr sz="1800" kern="1200">
+                <a:solidFill>
+                  <a:srgbClr val="551913"/>
+                </a:solidFill>
+                <a:latin typeface="Montserrat ExtraLight" panose="00000300000000000000" pitchFamily="2" charset="0"/>
+                <a:ea typeface="+mn-ea"/>
+                <a:cs typeface="+mn-cs"/>
+              </a:defRPr>
+            </a:lvl5pPr>
+            <a:lvl6pPr marL="2514600" indent="-228600" algn="l" defTabSz="914400" rtl="0" eaLnBrk="1" latinLnBrk="0" hangingPunct="1">
+              <a:lnSpc>
+                <a:spcPct val="90000"/>
+              </a:lnSpc>
+              <a:spcBef>
+                <a:spcPts val="500"/>
+              </a:spcBef>
+              <a:buFont typeface="Arial" panose="020B0604020202020204" pitchFamily="34" charset="0"/>
+              <a:buChar char="•"/>
+              <a:defRPr sz="1800" kern="1200">
+                <a:solidFill>
+                  <a:schemeClr val="tx1"/>
+                </a:solidFill>
+                <a:latin typeface="+mn-lt"/>
+                <a:ea typeface="+mn-ea"/>
+                <a:cs typeface="+mn-cs"/>
+              </a:defRPr>
+            </a:lvl6pPr>
+            <a:lvl7pPr marL="2971800" indent="-228600" algn="l" defTabSz="914400" rtl="0" eaLnBrk="1" latinLnBrk="0" hangingPunct="1">
+              <a:lnSpc>
+                <a:spcPct val="90000"/>
+              </a:lnSpc>
+              <a:spcBef>
+                <a:spcPts val="500"/>
+              </a:spcBef>
+              <a:buFont typeface="Arial" panose="020B0604020202020204" pitchFamily="34" charset="0"/>
+              <a:buChar char="•"/>
+              <a:defRPr sz="1800" kern="1200">
+                <a:solidFill>
+                  <a:schemeClr val="tx1"/>
+                </a:solidFill>
+                <a:latin typeface="+mn-lt"/>
+                <a:ea typeface="+mn-ea"/>
+                <a:cs typeface="+mn-cs"/>
+              </a:defRPr>
+            </a:lvl7pPr>
+            <a:lvl8pPr marL="3429000" indent="-228600" algn="l" defTabSz="914400" rtl="0" eaLnBrk="1" latinLnBrk="0" hangingPunct="1">
+              <a:lnSpc>
+                <a:spcPct val="90000"/>
+              </a:lnSpc>
+              <a:spcBef>
+                <a:spcPts val="500"/>
+              </a:spcBef>
+              <a:buFont typeface="Arial" panose="020B0604020202020204" pitchFamily="34" charset="0"/>
+              <a:buChar char="•"/>
+              <a:defRPr sz="1800" kern="1200">
+                <a:solidFill>
+                  <a:schemeClr val="tx1"/>
+                </a:solidFill>
+                <a:latin typeface="+mn-lt"/>
+                <a:ea typeface="+mn-ea"/>
+                <a:cs typeface="+mn-cs"/>
+              </a:defRPr>
+            </a:lvl8pPr>
+            <a:lvl9pPr marL="3886200" indent="-228600" algn="l" defTabSz="914400" rtl="0" eaLnBrk="1" latinLnBrk="0" hangingPunct="1">
+              <a:lnSpc>
+                <a:spcPct val="90000"/>
+              </a:lnSpc>
+              <a:spcBef>
+                <a:spcPts val="500"/>
+              </a:spcBef>
+              <a:buFont typeface="Arial" panose="020B0604020202020204" pitchFamily="34" charset="0"/>
+              <a:buChar char="•"/>
+              <a:defRPr sz="1800" kern="1200">
+                <a:solidFill>
+                  <a:schemeClr val="tx1"/>
+                </a:solidFill>
+                <a:latin typeface="+mn-lt"/>
+                <a:ea typeface="+mn-ea"/>
+                <a:cs typeface="+mn-cs"/>
+              </a:defRPr>
+            </a:lvl9pPr>
+          </a:lstStyle>
+          <a:p>
+            <a:pPr marL="0" indent="0" algn="ctr">
+              <a:buFont typeface="Arial" panose="020B0604020202020204" pitchFamily="34" charset="0"/>
+              <a:buNone/>
+            </a:pPr>
+            <a:r>
+              <a:rPr lang="fr-FR" sz="2400" dirty="0">
+                <a:latin typeface="Montserrat SemiBold" panose="00000700000000000000" pitchFamily="2" charset="0"/>
+              </a:rPr>
+              <a:t>Théo</a:t>
+            </a:r>
+          </a:p>
+        </p:txBody>
+      </p:sp>
+      <p:sp>
+        <p:nvSpPr>
+          <p:cNvPr id="18" name="Espace réservé du contenu 2">
+            <a:extLst>
+              <a:ext uri="{FF2B5EF4-FFF2-40B4-BE49-F238E27FC236}">
+                <a16:creationId xmlns:a16="http://schemas.microsoft.com/office/drawing/2014/main" id="{308FF176-27DF-4894-A9C4-884DDDCC128A}"/>
+              </a:ext>
+            </a:extLst>
+          </p:cNvPr>
+          <p:cNvSpPr txBox="1">
+            <a:spLocks/>
+          </p:cNvSpPr>
+          <p:nvPr/>
+        </p:nvSpPr>
+        <p:spPr>
+          <a:xfrm>
+            <a:off x="8721329" y="2151962"/>
+            <a:ext cx="2057399" cy="1905182"/>
+          </a:xfrm>
+          <a:prstGeom prst="rect">
+            <a:avLst/>
+          </a:prstGeom>
+        </p:spPr>
+        <p:txBody>
+          <a:bodyPr vert="horz" lIns="91440" tIns="45720" rIns="91440" bIns="45720" rtlCol="0" anchor="ctr" anchorCtr="0">
+            <a:normAutofit/>
+          </a:bodyPr>
+          <a:lstStyle>
+            <a:lvl1pPr marL="228600" indent="-228600" algn="l" defTabSz="914400" rtl="0" eaLnBrk="1" latinLnBrk="0" hangingPunct="1">
+              <a:lnSpc>
+                <a:spcPct val="90000"/>
+              </a:lnSpc>
+              <a:spcBef>
+                <a:spcPts val="1000"/>
+              </a:spcBef>
+              <a:buFont typeface="Arial" panose="020B0604020202020204" pitchFamily="34" charset="0"/>
+              <a:buChar char="•"/>
+              <a:defRPr sz="2800" kern="1200">
+                <a:solidFill>
+                  <a:srgbClr val="551913"/>
+                </a:solidFill>
+                <a:latin typeface="Montserrat ExtraLight" panose="00000300000000000000" pitchFamily="2" charset="0"/>
+                <a:ea typeface="+mn-ea"/>
+                <a:cs typeface="+mn-cs"/>
+              </a:defRPr>
+            </a:lvl1pPr>
+            <a:lvl2pPr marL="685800" indent="-228600" algn="l" defTabSz="914400" rtl="0" eaLnBrk="1" latinLnBrk="0" hangingPunct="1">
+              <a:lnSpc>
+                <a:spcPct val="90000"/>
+              </a:lnSpc>
+              <a:spcBef>
+                <a:spcPts val="500"/>
+              </a:spcBef>
+              <a:buFont typeface="Arial" panose="020B0604020202020204" pitchFamily="34" charset="0"/>
+              <a:buChar char="•"/>
+              <a:defRPr sz="2400" kern="1200">
+                <a:solidFill>
+                  <a:srgbClr val="551913"/>
+                </a:solidFill>
+                <a:latin typeface="Montserrat ExtraLight" panose="00000300000000000000" pitchFamily="2" charset="0"/>
+                <a:ea typeface="+mn-ea"/>
+                <a:cs typeface="+mn-cs"/>
+              </a:defRPr>
+            </a:lvl2pPr>
+            <a:lvl3pPr marL="1143000" indent="-228600" algn="l" defTabSz="914400" rtl="0" eaLnBrk="1" latinLnBrk="0" hangingPunct="1">
+              <a:lnSpc>
+                <a:spcPct val="90000"/>
+              </a:lnSpc>
+              <a:spcBef>
+                <a:spcPts val="500"/>
+              </a:spcBef>
+              <a:buFont typeface="Arial" panose="020B0604020202020204" pitchFamily="34" charset="0"/>
+              <a:buChar char="•"/>
+              <a:defRPr sz="2000" kern="1200">
+                <a:solidFill>
+                  <a:srgbClr val="551913"/>
+                </a:solidFill>
+                <a:latin typeface="Montserrat ExtraLight" panose="00000300000000000000" pitchFamily="2" charset="0"/>
+                <a:ea typeface="+mn-ea"/>
+                <a:cs typeface="+mn-cs"/>
+              </a:defRPr>
+            </a:lvl3pPr>
+            <a:lvl4pPr marL="1600200" indent="-228600" algn="l" defTabSz="914400" rtl="0" eaLnBrk="1" latinLnBrk="0" hangingPunct="1">
+              <a:lnSpc>
+                <a:spcPct val="90000"/>
+              </a:lnSpc>
+              <a:spcBef>
+                <a:spcPts val="500"/>
+              </a:spcBef>
+              <a:buFont typeface="Arial" panose="020B0604020202020204" pitchFamily="34" charset="0"/>
+              <a:buChar char="•"/>
+              <a:defRPr sz="1800" kern="1200">
+                <a:solidFill>
+                  <a:srgbClr val="551913"/>
+                </a:solidFill>
+                <a:latin typeface="Montserrat ExtraLight" panose="00000300000000000000" pitchFamily="2" charset="0"/>
+                <a:ea typeface="+mn-ea"/>
+                <a:cs typeface="+mn-cs"/>
+              </a:defRPr>
+            </a:lvl4pPr>
+            <a:lvl5pPr marL="2057400" indent="-228600" algn="l" defTabSz="914400" rtl="0" eaLnBrk="1" latinLnBrk="0" hangingPunct="1">
+              <a:lnSpc>
+                <a:spcPct val="90000"/>
+              </a:lnSpc>
+              <a:spcBef>
+                <a:spcPts val="500"/>
+              </a:spcBef>
+              <a:buFont typeface="Arial" panose="020B0604020202020204" pitchFamily="34" charset="0"/>
+              <a:buChar char="•"/>
+              <a:defRPr sz="1800" kern="1200">
+                <a:solidFill>
+                  <a:srgbClr val="551913"/>
+                </a:solidFill>
+                <a:latin typeface="Montserrat ExtraLight" panose="00000300000000000000" pitchFamily="2" charset="0"/>
+                <a:ea typeface="+mn-ea"/>
+                <a:cs typeface="+mn-cs"/>
+              </a:defRPr>
+            </a:lvl5pPr>
+            <a:lvl6pPr marL="2514600" indent="-228600" algn="l" defTabSz="914400" rtl="0" eaLnBrk="1" latinLnBrk="0" hangingPunct="1">
+              <a:lnSpc>
+                <a:spcPct val="90000"/>
+              </a:lnSpc>
+              <a:spcBef>
+                <a:spcPts val="500"/>
+              </a:spcBef>
+              <a:buFont typeface="Arial" panose="020B0604020202020204" pitchFamily="34" charset="0"/>
+              <a:buChar char="•"/>
+              <a:defRPr sz="1800" kern="1200">
+                <a:solidFill>
+                  <a:schemeClr val="tx1"/>
+                </a:solidFill>
+                <a:latin typeface="+mn-lt"/>
+                <a:ea typeface="+mn-ea"/>
+                <a:cs typeface="+mn-cs"/>
+              </a:defRPr>
+            </a:lvl6pPr>
+            <a:lvl7pPr marL="2971800" indent="-228600" algn="l" defTabSz="914400" rtl="0" eaLnBrk="1" latinLnBrk="0" hangingPunct="1">
+              <a:lnSpc>
+                <a:spcPct val="90000"/>
+              </a:lnSpc>
+              <a:spcBef>
+                <a:spcPts val="500"/>
+              </a:spcBef>
+              <a:buFont typeface="Arial" panose="020B0604020202020204" pitchFamily="34" charset="0"/>
+              <a:buChar char="•"/>
+              <a:defRPr sz="1800" kern="1200">
+                <a:solidFill>
+                  <a:schemeClr val="tx1"/>
+                </a:solidFill>
+                <a:latin typeface="+mn-lt"/>
+                <a:ea typeface="+mn-ea"/>
+                <a:cs typeface="+mn-cs"/>
+              </a:defRPr>
+            </a:lvl7pPr>
+            <a:lvl8pPr marL="3429000" indent="-228600" algn="l" defTabSz="914400" rtl="0" eaLnBrk="1" latinLnBrk="0" hangingPunct="1">
+              <a:lnSpc>
+                <a:spcPct val="90000"/>
+              </a:lnSpc>
+              <a:spcBef>
+                <a:spcPts val="500"/>
+              </a:spcBef>
+              <a:buFont typeface="Arial" panose="020B0604020202020204" pitchFamily="34" charset="0"/>
+              <a:buChar char="•"/>
+              <a:defRPr sz="1800" kern="1200">
+                <a:solidFill>
+                  <a:schemeClr val="tx1"/>
+                </a:solidFill>
+                <a:latin typeface="+mn-lt"/>
+                <a:ea typeface="+mn-ea"/>
+                <a:cs typeface="+mn-cs"/>
+              </a:defRPr>
+            </a:lvl8pPr>
+            <a:lvl9pPr marL="3886200" indent="-228600" algn="l" defTabSz="914400" rtl="0" eaLnBrk="1" latinLnBrk="0" hangingPunct="1">
+              <a:lnSpc>
+                <a:spcPct val="90000"/>
+              </a:lnSpc>
+              <a:spcBef>
+                <a:spcPts val="500"/>
+              </a:spcBef>
+              <a:buFont typeface="Arial" panose="020B0604020202020204" pitchFamily="34" charset="0"/>
+              <a:buChar char="•"/>
+              <a:defRPr sz="1800" kern="1200">
+                <a:solidFill>
+                  <a:schemeClr val="tx1"/>
+                </a:solidFill>
+                <a:latin typeface="+mn-lt"/>
+                <a:ea typeface="+mn-ea"/>
+                <a:cs typeface="+mn-cs"/>
+              </a:defRPr>
+            </a:lvl9pPr>
+          </a:lstStyle>
+          <a:p>
+            <a:pPr marL="0" indent="0" algn="ctr">
+              <a:buFont typeface="Arial" panose="020B0604020202020204" pitchFamily="34" charset="0"/>
+              <a:buNone/>
+            </a:pPr>
+            <a:r>
+              <a:rPr lang="fr-FR" sz="1600" dirty="0">
+                <a:latin typeface="Montserrat SemiBold" panose="00000700000000000000" pitchFamily="2" charset="0"/>
+              </a:rPr>
+              <a:t>Souleymane</a:t>
+            </a:r>
+            <a:endParaRPr lang="fr-FR" sz="2400" dirty="0">
+              <a:latin typeface="Montserrat SemiBold" panose="00000700000000000000" pitchFamily="2" charset="0"/>
+            </a:endParaRPr>
           </a:p>
         </p:txBody>
       </p:sp>
